--- a/lecture04/aval_lecture04.pptx
+++ b/lecture04/aval_lecture04.pptx
@@ -5,7 +5,7 @@
     <p:sldMasterId id="2147483648" r:id="rId1"/>
   </p:sldMasterIdLst>
   <p:notesMasterIdLst>
-    <p:notesMasterId r:id="rId24"/>
+    <p:notesMasterId r:id="rId25"/>
   </p:notesMasterIdLst>
   <p:sldIdLst>
     <p:sldId id="256" r:id="rId2"/>
@@ -13,23 +13,24 @@
     <p:sldId id="322" r:id="rId4"/>
     <p:sldId id="323" r:id="rId5"/>
     <p:sldId id="330" r:id="rId6"/>
-    <p:sldId id="324" r:id="rId7"/>
-    <p:sldId id="325" r:id="rId8"/>
-    <p:sldId id="331" r:id="rId9"/>
-    <p:sldId id="326" r:id="rId10"/>
-    <p:sldId id="327" r:id="rId11"/>
-    <p:sldId id="328" r:id="rId12"/>
-    <p:sldId id="329" r:id="rId13"/>
-    <p:sldId id="279" r:id="rId14"/>
-    <p:sldId id="332" r:id="rId15"/>
-    <p:sldId id="333" r:id="rId16"/>
-    <p:sldId id="334" r:id="rId17"/>
-    <p:sldId id="338" r:id="rId18"/>
-    <p:sldId id="335" r:id="rId19"/>
-    <p:sldId id="336" r:id="rId20"/>
-    <p:sldId id="337" r:id="rId21"/>
-    <p:sldId id="295" r:id="rId22"/>
-    <p:sldId id="271" r:id="rId23"/>
+    <p:sldId id="339" r:id="rId7"/>
+    <p:sldId id="324" r:id="rId8"/>
+    <p:sldId id="325" r:id="rId9"/>
+    <p:sldId id="331" r:id="rId10"/>
+    <p:sldId id="326" r:id="rId11"/>
+    <p:sldId id="327" r:id="rId12"/>
+    <p:sldId id="328" r:id="rId13"/>
+    <p:sldId id="329" r:id="rId14"/>
+    <p:sldId id="279" r:id="rId15"/>
+    <p:sldId id="332" r:id="rId16"/>
+    <p:sldId id="333" r:id="rId17"/>
+    <p:sldId id="334" r:id="rId18"/>
+    <p:sldId id="338" r:id="rId19"/>
+    <p:sldId id="335" r:id="rId20"/>
+    <p:sldId id="336" r:id="rId21"/>
+    <p:sldId id="337" r:id="rId22"/>
+    <p:sldId id="295" r:id="rId23"/>
+    <p:sldId id="271" r:id="rId24"/>
   </p:sldIdLst>
   <p:sldSz cx="12192000" cy="6858000"/>
   <p:notesSz cx="6858000" cy="9144000"/>
@@ -218,7 +219,7 @@
           <a:p>
             <a:fld id="{245B7D56-965F-469F-BEA5-E8F39E79D044}" type="datetimeFigureOut">
               <a:rPr lang="en-US" smtClean="0"/>
-              <a:t>4/13/2023</a:t>
+              <a:t>4/24/2023</a:t>
             </a:fld>
             <a:endParaRPr lang="en-US"/>
           </a:p>
@@ -709,7 +710,7 @@
           <a:p>
             <a:fld id="{C09DECD8-E85B-4C15-98F9-15A72F974A35}" type="slidenum">
               <a:rPr lang="en-US" smtClean="0"/>
-              <a:t>7</a:t>
+              <a:t>8</a:t>
             </a:fld>
             <a:endParaRPr lang="en-US"/>
           </a:p>
@@ -797,7 +798,7 @@
           <a:p>
             <a:fld id="{C09DECD8-E85B-4C15-98F9-15A72F974A35}" type="slidenum">
               <a:rPr lang="en-US" smtClean="0"/>
-              <a:t>15</a:t>
+              <a:t>16</a:t>
             </a:fld>
             <a:endParaRPr lang="en-US"/>
           </a:p>
@@ -884,7 +885,7 @@
           <a:p>
             <a:fld id="{C09DECD8-E85B-4C15-98F9-15A72F974A35}" type="slidenum">
               <a:rPr lang="en-US" smtClean="0"/>
-              <a:t>18</a:t>
+              <a:t>19</a:t>
             </a:fld>
             <a:endParaRPr lang="en-US"/>
           </a:p>
@@ -1050,7 +1051,7 @@
           <a:p>
             <a:fld id="{27692000-C1C0-4642-A41E-B90B2B2FE916}" type="datetimeFigureOut">
               <a:rPr lang="en-US" smtClean="0"/>
-              <a:t>4/13/2023</a:t>
+              <a:t>4/24/2023</a:t>
             </a:fld>
             <a:endParaRPr lang="en-US"/>
           </a:p>
@@ -1248,7 +1249,7 @@
           <a:p>
             <a:fld id="{27692000-C1C0-4642-A41E-B90B2B2FE916}" type="datetimeFigureOut">
               <a:rPr lang="en-US" smtClean="0"/>
-              <a:t>4/13/2023</a:t>
+              <a:t>4/24/2023</a:t>
             </a:fld>
             <a:endParaRPr lang="en-US"/>
           </a:p>
@@ -1456,7 +1457,7 @@
           <a:p>
             <a:fld id="{27692000-C1C0-4642-A41E-B90B2B2FE916}" type="datetimeFigureOut">
               <a:rPr lang="en-US" smtClean="0"/>
-              <a:t>4/13/2023</a:t>
+              <a:t>4/24/2023</a:t>
             </a:fld>
             <a:endParaRPr lang="en-US"/>
           </a:p>
@@ -1654,7 +1655,7 @@
           <a:p>
             <a:fld id="{27692000-C1C0-4642-A41E-B90B2B2FE916}" type="datetimeFigureOut">
               <a:rPr lang="en-US" smtClean="0"/>
-              <a:t>4/13/2023</a:t>
+              <a:t>4/24/2023</a:t>
             </a:fld>
             <a:endParaRPr lang="en-US"/>
           </a:p>
@@ -1929,7 +1930,7 @@
           <a:p>
             <a:fld id="{27692000-C1C0-4642-A41E-B90B2B2FE916}" type="datetimeFigureOut">
               <a:rPr lang="en-US" smtClean="0"/>
-              <a:t>4/13/2023</a:t>
+              <a:t>4/24/2023</a:t>
             </a:fld>
             <a:endParaRPr lang="en-US"/>
           </a:p>
@@ -2194,7 +2195,7 @@
           <a:p>
             <a:fld id="{27692000-C1C0-4642-A41E-B90B2B2FE916}" type="datetimeFigureOut">
               <a:rPr lang="en-US" smtClean="0"/>
-              <a:t>4/13/2023</a:t>
+              <a:t>4/24/2023</a:t>
             </a:fld>
             <a:endParaRPr lang="en-US"/>
           </a:p>
@@ -2606,7 +2607,7 @@
           <a:p>
             <a:fld id="{27692000-C1C0-4642-A41E-B90B2B2FE916}" type="datetimeFigureOut">
               <a:rPr lang="en-US" smtClean="0"/>
-              <a:t>4/13/2023</a:t>
+              <a:t>4/24/2023</a:t>
             </a:fld>
             <a:endParaRPr lang="en-US"/>
           </a:p>
@@ -2747,7 +2748,7 @@
           <a:p>
             <a:fld id="{27692000-C1C0-4642-A41E-B90B2B2FE916}" type="datetimeFigureOut">
               <a:rPr lang="en-US" smtClean="0"/>
-              <a:t>4/13/2023</a:t>
+              <a:t>4/24/2023</a:t>
             </a:fld>
             <a:endParaRPr lang="en-US"/>
           </a:p>
@@ -2860,7 +2861,7 @@
           <a:p>
             <a:fld id="{27692000-C1C0-4642-A41E-B90B2B2FE916}" type="datetimeFigureOut">
               <a:rPr lang="en-US" smtClean="0"/>
-              <a:t>4/13/2023</a:t>
+              <a:t>4/24/2023</a:t>
             </a:fld>
             <a:endParaRPr lang="en-US"/>
           </a:p>
@@ -3171,7 +3172,7 @@
           <a:p>
             <a:fld id="{27692000-C1C0-4642-A41E-B90B2B2FE916}" type="datetimeFigureOut">
               <a:rPr lang="en-US" smtClean="0"/>
-              <a:t>4/13/2023</a:t>
+              <a:t>4/24/2023</a:t>
             </a:fld>
             <a:endParaRPr lang="en-US"/>
           </a:p>
@@ -3459,7 +3460,7 @@
           <a:p>
             <a:fld id="{27692000-C1C0-4642-A41E-B90B2B2FE916}" type="datetimeFigureOut">
               <a:rPr lang="en-US" smtClean="0"/>
-              <a:t>4/13/2023</a:t>
+              <a:t>4/24/2023</a:t>
             </a:fld>
             <a:endParaRPr lang="en-US"/>
           </a:p>
@@ -3700,7 +3701,7 @@
           <a:p>
             <a:fld id="{27692000-C1C0-4642-A41E-B90B2B2FE916}" type="datetimeFigureOut">
               <a:rPr lang="en-US" smtClean="0"/>
-              <a:t>4/13/2023</a:t>
+              <a:t>4/24/2023</a:t>
             </a:fld>
             <a:endParaRPr lang="en-US"/>
           </a:p>
@@ -4250,6 +4251,1007 @@
       </p:grpSpPr>
       <p:sp>
         <p:nvSpPr>
+          <p:cNvPr id="2" name="Title 1">
+            <a:extLst>
+              <a:ext uri="{FF2B5EF4-FFF2-40B4-BE49-F238E27FC236}">
+                <a16:creationId xmlns:a16="http://schemas.microsoft.com/office/drawing/2014/main" id="{7D3610CA-8D7D-7E61-A2E1-8DBE946E4895}"/>
+              </a:ext>
+            </a:extLst>
+          </p:cNvPr>
+          <p:cNvSpPr>
+            <a:spLocks noGrp="1"/>
+          </p:cNvSpPr>
+          <p:nvPr>
+            <p:ph type="title"/>
+          </p:nvPr>
+        </p:nvSpPr>
+        <p:spPr/>
+        <p:txBody>
+          <a:bodyPr/>
+          <a:lstStyle/>
+          <a:p>
+            <a:r>
+              <a:rPr lang="da-DK" b="1" dirty="0" err="1"/>
+              <a:t>What</a:t>
+            </a:r>
+            <a:r>
+              <a:rPr lang="da-DK" b="1" dirty="0"/>
+              <a:t> </a:t>
+            </a:r>
+            <a:r>
+              <a:rPr lang="da-DK" b="1" dirty="0" err="1"/>
+              <a:t>if</a:t>
+            </a:r>
+            <a:r>
+              <a:rPr lang="da-DK" dirty="0"/>
+              <a:t> I </a:t>
+            </a:r>
+            <a:r>
+              <a:rPr lang="da-DK" dirty="0" err="1"/>
+              <a:t>want</a:t>
+            </a:r>
+            <a:r>
+              <a:rPr lang="da-DK" dirty="0"/>
+              <a:t> to </a:t>
+            </a:r>
+            <a:r>
+              <a:rPr lang="da-DK" dirty="0" err="1"/>
+              <a:t>express</a:t>
+            </a:r>
+            <a:r>
+              <a:rPr lang="da-DK" dirty="0"/>
+              <a:t>…</a:t>
+            </a:r>
+            <a:endParaRPr lang="en-US" dirty="0"/>
+          </a:p>
+        </p:txBody>
+      </p:sp>
+      <p:sp>
+        <p:nvSpPr>
+          <p:cNvPr id="3" name="Content Placeholder 2">
+            <a:extLst>
+              <a:ext uri="{FF2B5EF4-FFF2-40B4-BE49-F238E27FC236}">
+                <a16:creationId xmlns:a16="http://schemas.microsoft.com/office/drawing/2014/main" id="{A1543489-B9D9-3A4C-9405-829047F5771C}"/>
+              </a:ext>
+            </a:extLst>
+          </p:cNvPr>
+          <p:cNvSpPr>
+            <a:spLocks noGrp="1"/>
+          </p:cNvSpPr>
+          <p:nvPr>
+            <p:ph idx="1"/>
+          </p:nvPr>
+        </p:nvSpPr>
+        <p:spPr>
+          <a:xfrm>
+            <a:off x="838200" y="3287925"/>
+            <a:ext cx="10515600" cy="2889038"/>
+          </a:xfrm>
+        </p:spPr>
+        <p:txBody>
+          <a:bodyPr>
+            <a:normAutofit/>
+          </a:bodyPr>
+          <a:lstStyle/>
+          <a:p>
+            <a:pPr marL="514350" indent="-514350">
+              <a:buFont typeface="+mj-lt"/>
+              <a:buAutoNum type="arabicPeriod"/>
+            </a:pPr>
+            <a:r>
+              <a:rPr lang="da-DK" dirty="0" err="1"/>
+              <a:t>Consider</a:t>
+            </a:r>
+            <a:r>
+              <a:rPr lang="da-DK" dirty="0"/>
+              <a:t> </a:t>
+            </a:r>
+            <a:r>
+              <a:rPr lang="da-DK" dirty="0" err="1"/>
+              <a:t>this</a:t>
+            </a:r>
+            <a:r>
+              <a:rPr lang="da-DK" dirty="0"/>
+              <a:t> diagram. How </a:t>
+            </a:r>
+            <a:r>
+              <a:rPr lang="da-DK" dirty="0" err="1"/>
+              <a:t>can</a:t>
+            </a:r>
+            <a:r>
+              <a:rPr lang="da-DK" dirty="0"/>
+              <a:t> </a:t>
+            </a:r>
+            <a:r>
+              <a:rPr lang="da-DK" dirty="0" err="1"/>
+              <a:t>we</a:t>
+            </a:r>
+            <a:r>
+              <a:rPr lang="da-DK" dirty="0"/>
+              <a:t> </a:t>
+            </a:r>
+            <a:r>
+              <a:rPr lang="da-DK" dirty="0" err="1"/>
+              <a:t>change</a:t>
+            </a:r>
+            <a:r>
+              <a:rPr lang="da-DK" dirty="0"/>
+              <a:t> it</a:t>
+            </a:r>
+            <a:r>
+              <a:rPr lang="en-US" dirty="0"/>
+              <a:t> so that it </a:t>
+            </a:r>
+            <a:r>
+              <a:rPr lang="en-US" b="1" dirty="0"/>
+              <a:t>allows a person to have any animal</a:t>
+            </a:r>
+            <a:r>
+              <a:rPr lang="en-US" dirty="0"/>
+              <a:t> as a pet?</a:t>
+            </a:r>
+          </a:p>
+          <a:p>
+            <a:pPr marL="514350" indent="-514350">
+              <a:buFont typeface="+mj-lt"/>
+              <a:buAutoNum type="arabicPeriod"/>
+            </a:pPr>
+            <a:endParaRPr lang="en-US" dirty="0"/>
+          </a:p>
+          <a:p>
+            <a:pPr marL="514350" indent="-514350">
+              <a:buFont typeface="+mj-lt"/>
+              <a:buAutoNum type="arabicPeriod"/>
+            </a:pPr>
+            <a:r>
+              <a:rPr lang="en-US" dirty="0"/>
+              <a:t>OK, but now I want to the diagram to say that </a:t>
+            </a:r>
+            <a:r>
+              <a:rPr lang="en-US" b="1" dirty="0"/>
+              <a:t>only Cats and Dogs can be pets</a:t>
+            </a:r>
+            <a:r>
+              <a:rPr lang="en-US" dirty="0"/>
+              <a:t>, not Tigers. Can you do that? If so, how?</a:t>
+            </a:r>
+            <a:endParaRPr lang="da-DK" dirty="0"/>
+          </a:p>
+        </p:txBody>
+      </p:sp>
+      <p:grpSp>
+        <p:nvGrpSpPr>
+          <p:cNvPr id="15" name="Group 14">
+            <a:extLst>
+              <a:ext uri="{FF2B5EF4-FFF2-40B4-BE49-F238E27FC236}">
+                <a16:creationId xmlns:a16="http://schemas.microsoft.com/office/drawing/2014/main" id="{3B508EF4-D428-5AFE-15AC-E4E5934AE040}"/>
+              </a:ext>
+            </a:extLst>
+          </p:cNvPr>
+          <p:cNvGrpSpPr/>
+          <p:nvPr/>
+        </p:nvGrpSpPr>
+        <p:grpSpPr>
+          <a:xfrm>
+            <a:off x="2521792" y="1526142"/>
+            <a:ext cx="6664540" cy="1359772"/>
+            <a:chOff x="4917859" y="1213495"/>
+            <a:chExt cx="6664540" cy="1359772"/>
+          </a:xfrm>
+        </p:grpSpPr>
+        <p:cxnSp>
+          <p:nvCxnSpPr>
+            <p:cNvPr id="18" name="Straight Connector 17">
+              <a:extLst>
+                <a:ext uri="{FF2B5EF4-FFF2-40B4-BE49-F238E27FC236}">
+                  <a16:creationId xmlns:a16="http://schemas.microsoft.com/office/drawing/2014/main" id="{DF5A893B-3330-7091-1B66-583F7758D15D}"/>
+                </a:ext>
+              </a:extLst>
+            </p:cNvPr>
+            <p:cNvCxnSpPr>
+              <a:cxnSpLocks/>
+              <a:endCxn id="21" idx="2"/>
+            </p:cNvCxnSpPr>
+            <p:nvPr/>
+          </p:nvCxnSpPr>
+          <p:spPr>
+            <a:xfrm flipV="1">
+              <a:off x="6911539" y="1650100"/>
+              <a:ext cx="0" cy="398574"/>
+            </a:xfrm>
+            <a:prstGeom prst="line">
+              <a:avLst/>
+            </a:prstGeom>
+            <a:ln>
+              <a:solidFill>
+                <a:schemeClr val="tx1"/>
+              </a:solidFill>
+            </a:ln>
+          </p:spPr>
+          <p:style>
+            <a:lnRef idx="3">
+              <a:schemeClr val="dk1"/>
+            </a:lnRef>
+            <a:fillRef idx="0">
+              <a:schemeClr val="dk1"/>
+            </a:fillRef>
+            <a:effectRef idx="2">
+              <a:schemeClr val="dk1"/>
+            </a:effectRef>
+            <a:fontRef idx="minor">
+              <a:schemeClr val="tx1"/>
+            </a:fontRef>
+          </p:style>
+        </p:cxnSp>
+        <p:sp>
+          <p:nvSpPr>
+            <p:cNvPr id="19" name="Rectangle 18">
+              <a:extLst>
+                <a:ext uri="{FF2B5EF4-FFF2-40B4-BE49-F238E27FC236}">
+                  <a16:creationId xmlns:a16="http://schemas.microsoft.com/office/drawing/2014/main" id="{361B00C3-6FB5-D176-B984-6E0ECCDC5B87}"/>
+                </a:ext>
+              </a:extLst>
+            </p:cNvPr>
+            <p:cNvSpPr/>
+            <p:nvPr/>
+          </p:nvSpPr>
+          <p:spPr>
+            <a:xfrm>
+              <a:off x="9877168" y="2048674"/>
+              <a:ext cx="1243914" cy="436605"/>
+            </a:xfrm>
+            <a:prstGeom prst="rect">
+              <a:avLst/>
+            </a:prstGeom>
+          </p:spPr>
+          <p:style>
+            <a:lnRef idx="2">
+              <a:schemeClr val="dk1"/>
+            </a:lnRef>
+            <a:fillRef idx="1">
+              <a:schemeClr val="lt1"/>
+            </a:fillRef>
+            <a:effectRef idx="0">
+              <a:schemeClr val="dk1"/>
+            </a:effectRef>
+            <a:fontRef idx="minor">
+              <a:schemeClr val="dk1"/>
+            </a:fontRef>
+          </p:style>
+          <p:txBody>
+            <a:bodyPr rtlCol="0" anchor="ctr"/>
+            <a:lstStyle/>
+            <a:p>
+              <a:pPr algn="ctr"/>
+              <a:r>
+                <a:rPr lang="da-DK" dirty="0"/>
+                <a:t>Person</a:t>
+              </a:r>
+              <a:endParaRPr lang="en-US" dirty="0"/>
+            </a:p>
+          </p:txBody>
+        </p:sp>
+        <p:sp>
+          <p:nvSpPr>
+            <p:cNvPr id="20" name="Rectangle 19">
+              <a:extLst>
+                <a:ext uri="{FF2B5EF4-FFF2-40B4-BE49-F238E27FC236}">
+                  <a16:creationId xmlns:a16="http://schemas.microsoft.com/office/drawing/2014/main" id="{F3A8B4F8-8C75-46C6-18B3-67288275D619}"/>
+                </a:ext>
+              </a:extLst>
+            </p:cNvPr>
+            <p:cNvSpPr/>
+            <p:nvPr/>
+          </p:nvSpPr>
+          <p:spPr>
+            <a:xfrm>
+              <a:off x="7657070" y="2048674"/>
+              <a:ext cx="1243914" cy="436605"/>
+            </a:xfrm>
+            <a:prstGeom prst="rect">
+              <a:avLst/>
+            </a:prstGeom>
+            <a:ln>
+              <a:solidFill>
+                <a:schemeClr val="tx1"/>
+              </a:solidFill>
+            </a:ln>
+          </p:spPr>
+          <p:style>
+            <a:lnRef idx="2">
+              <a:schemeClr val="dk1"/>
+            </a:lnRef>
+            <a:fillRef idx="1">
+              <a:schemeClr val="lt1"/>
+            </a:fillRef>
+            <a:effectRef idx="0">
+              <a:schemeClr val="dk1"/>
+            </a:effectRef>
+            <a:fontRef idx="minor">
+              <a:schemeClr val="dk1"/>
+            </a:fontRef>
+          </p:style>
+          <p:txBody>
+            <a:bodyPr rtlCol="0" anchor="ctr"/>
+            <a:lstStyle/>
+            <a:p>
+              <a:pPr algn="ctr"/>
+              <a:r>
+                <a:rPr lang="da-DK" dirty="0">
+                  <a:solidFill>
+                    <a:schemeClr val="tx1"/>
+                  </a:solidFill>
+                </a:rPr>
+                <a:t>Dog</a:t>
+              </a:r>
+              <a:endParaRPr lang="en-US" dirty="0">
+                <a:solidFill>
+                  <a:schemeClr val="tx1"/>
+                </a:solidFill>
+              </a:endParaRPr>
+            </a:p>
+          </p:txBody>
+        </p:sp>
+        <p:sp>
+          <p:nvSpPr>
+            <p:cNvPr id="21" name="Rectangle 20">
+              <a:extLst>
+                <a:ext uri="{FF2B5EF4-FFF2-40B4-BE49-F238E27FC236}">
+                  <a16:creationId xmlns:a16="http://schemas.microsoft.com/office/drawing/2014/main" id="{DDF5C9E4-D92F-8406-7CA3-41E91C9D2F7D}"/>
+                </a:ext>
+              </a:extLst>
+            </p:cNvPr>
+            <p:cNvSpPr/>
+            <p:nvPr/>
+          </p:nvSpPr>
+          <p:spPr>
+            <a:xfrm>
+              <a:off x="6289582" y="1213495"/>
+              <a:ext cx="1243914" cy="436605"/>
+            </a:xfrm>
+            <a:prstGeom prst="rect">
+              <a:avLst/>
+            </a:prstGeom>
+            <a:ln>
+              <a:solidFill>
+                <a:schemeClr val="tx1"/>
+              </a:solidFill>
+            </a:ln>
+          </p:spPr>
+          <p:style>
+            <a:lnRef idx="2">
+              <a:schemeClr val="dk1"/>
+            </a:lnRef>
+            <a:fillRef idx="1">
+              <a:schemeClr val="lt1"/>
+            </a:fillRef>
+            <a:effectRef idx="0">
+              <a:schemeClr val="dk1"/>
+            </a:effectRef>
+            <a:fontRef idx="minor">
+              <a:schemeClr val="dk1"/>
+            </a:fontRef>
+          </p:style>
+          <p:txBody>
+            <a:bodyPr rtlCol="0" anchor="ctr"/>
+            <a:lstStyle/>
+            <a:p>
+              <a:pPr algn="ctr"/>
+              <a:r>
+                <a:rPr lang="da-DK" dirty="0">
+                  <a:solidFill>
+                    <a:schemeClr val="tx1"/>
+                  </a:solidFill>
+                </a:rPr>
+                <a:t>Animal</a:t>
+              </a:r>
+              <a:endParaRPr lang="en-US" dirty="0">
+                <a:solidFill>
+                  <a:schemeClr val="tx1"/>
+                </a:solidFill>
+              </a:endParaRPr>
+            </a:p>
+          </p:txBody>
+        </p:sp>
+        <p:sp>
+          <p:nvSpPr>
+            <p:cNvPr id="22" name="Flowchart: Extract 21">
+              <a:extLst>
+                <a:ext uri="{FF2B5EF4-FFF2-40B4-BE49-F238E27FC236}">
+                  <a16:creationId xmlns:a16="http://schemas.microsoft.com/office/drawing/2014/main" id="{1786A955-2050-FAD0-C6A8-A3D06285D838}"/>
+                </a:ext>
+              </a:extLst>
+            </p:cNvPr>
+            <p:cNvSpPr/>
+            <p:nvPr/>
+          </p:nvSpPr>
+          <p:spPr>
+            <a:xfrm>
+              <a:off x="6820925" y="1731883"/>
+              <a:ext cx="181232" cy="181233"/>
+            </a:xfrm>
+            <a:prstGeom prst="flowChartExtract">
+              <a:avLst/>
+            </a:prstGeom>
+            <a:ln>
+              <a:solidFill>
+                <a:schemeClr val="tx1"/>
+              </a:solidFill>
+            </a:ln>
+          </p:spPr>
+          <p:style>
+            <a:lnRef idx="2">
+              <a:schemeClr val="dk1"/>
+            </a:lnRef>
+            <a:fillRef idx="1">
+              <a:schemeClr val="lt1"/>
+            </a:fillRef>
+            <a:effectRef idx="0">
+              <a:schemeClr val="dk1"/>
+            </a:effectRef>
+            <a:fontRef idx="minor">
+              <a:schemeClr val="dk1"/>
+            </a:fontRef>
+          </p:style>
+          <p:txBody>
+            <a:bodyPr rtlCol="0" anchor="ctr"/>
+            <a:lstStyle/>
+            <a:p>
+              <a:pPr algn="ctr"/>
+              <a:endParaRPr lang="en-US">
+                <a:solidFill>
+                  <a:schemeClr val="tx1"/>
+                </a:solidFill>
+              </a:endParaRPr>
+            </a:p>
+          </p:txBody>
+        </p:sp>
+        <p:cxnSp>
+          <p:nvCxnSpPr>
+            <p:cNvPr id="23" name="Straight Arrow Connector 22">
+              <a:extLst>
+                <a:ext uri="{FF2B5EF4-FFF2-40B4-BE49-F238E27FC236}">
+                  <a16:creationId xmlns:a16="http://schemas.microsoft.com/office/drawing/2014/main" id="{6841F705-1EBE-ED6C-8C08-6EC1EB9A4310}"/>
+                </a:ext>
+              </a:extLst>
+            </p:cNvPr>
+            <p:cNvCxnSpPr>
+              <a:stCxn id="19" idx="1"/>
+              <a:endCxn id="20" idx="3"/>
+            </p:cNvCxnSpPr>
+            <p:nvPr/>
+          </p:nvCxnSpPr>
+          <p:spPr>
+            <a:xfrm flipH="1">
+              <a:off x="8900984" y="2266977"/>
+              <a:ext cx="976184" cy="0"/>
+            </a:xfrm>
+            <a:prstGeom prst="straightConnector1">
+              <a:avLst/>
+            </a:prstGeom>
+            <a:ln>
+              <a:solidFill>
+                <a:schemeClr val="tx1"/>
+              </a:solidFill>
+              <a:tailEnd type="triangle"/>
+            </a:ln>
+          </p:spPr>
+          <p:style>
+            <a:lnRef idx="3">
+              <a:schemeClr val="dk1"/>
+            </a:lnRef>
+            <a:fillRef idx="0">
+              <a:schemeClr val="dk1"/>
+            </a:fillRef>
+            <a:effectRef idx="2">
+              <a:schemeClr val="dk1"/>
+            </a:effectRef>
+            <a:fontRef idx="minor">
+              <a:schemeClr val="tx1"/>
+            </a:fontRef>
+          </p:style>
+        </p:cxnSp>
+        <p:sp>
+          <p:nvSpPr>
+            <p:cNvPr id="24" name="TextBox 23">
+              <a:extLst>
+                <a:ext uri="{FF2B5EF4-FFF2-40B4-BE49-F238E27FC236}">
+                  <a16:creationId xmlns:a16="http://schemas.microsoft.com/office/drawing/2014/main" id="{FDBD3BB4-3D21-E3F7-5BAC-11074B4685B2}"/>
+                </a:ext>
+              </a:extLst>
+            </p:cNvPr>
+            <p:cNvSpPr txBox="1"/>
+            <p:nvPr/>
+          </p:nvSpPr>
+          <p:spPr>
+            <a:xfrm>
+              <a:off x="9638269" y="1911631"/>
+              <a:ext cx="276038" cy="307777"/>
+            </a:xfrm>
+            <a:prstGeom prst="rect">
+              <a:avLst/>
+            </a:prstGeom>
+            <a:noFill/>
+            <a:ln>
+              <a:noFill/>
+            </a:ln>
+          </p:spPr>
+          <p:txBody>
+            <a:bodyPr wrap="none" rtlCol="0">
+              <a:spAutoFit/>
+            </a:bodyPr>
+            <a:lstStyle/>
+            <a:p>
+              <a:r>
+                <a:rPr lang="da-DK" sz="1400" dirty="0"/>
+                <a:t>1</a:t>
+              </a:r>
+              <a:endParaRPr lang="en-US" sz="1400" dirty="0"/>
+            </a:p>
+          </p:txBody>
+        </p:sp>
+        <p:sp>
+          <p:nvSpPr>
+            <p:cNvPr id="25" name="TextBox 24">
+              <a:extLst>
+                <a:ext uri="{FF2B5EF4-FFF2-40B4-BE49-F238E27FC236}">
+                  <a16:creationId xmlns:a16="http://schemas.microsoft.com/office/drawing/2014/main" id="{692808F5-1B9F-EC9B-57D9-892540723086}"/>
+                </a:ext>
+              </a:extLst>
+            </p:cNvPr>
+            <p:cNvSpPr txBox="1"/>
+            <p:nvPr/>
+          </p:nvSpPr>
+          <p:spPr>
+            <a:xfrm>
+              <a:off x="8881946" y="1915666"/>
+              <a:ext cx="457176" cy="307777"/>
+            </a:xfrm>
+            <a:prstGeom prst="rect">
+              <a:avLst/>
+            </a:prstGeom>
+            <a:noFill/>
+            <a:ln>
+              <a:noFill/>
+            </a:ln>
+          </p:spPr>
+          <p:txBody>
+            <a:bodyPr wrap="none" rtlCol="0">
+              <a:spAutoFit/>
+            </a:bodyPr>
+            <a:lstStyle/>
+            <a:p>
+              <a:r>
+                <a:rPr lang="da-DK" sz="1400" dirty="0"/>
+                <a:t>0..1</a:t>
+              </a:r>
+              <a:endParaRPr lang="en-US" sz="1400" dirty="0"/>
+            </a:p>
+          </p:txBody>
+        </p:sp>
+        <p:cxnSp>
+          <p:nvCxnSpPr>
+            <p:cNvPr id="26" name="Connector: Elbow 25">
+              <a:extLst>
+                <a:ext uri="{FF2B5EF4-FFF2-40B4-BE49-F238E27FC236}">
+                  <a16:creationId xmlns:a16="http://schemas.microsoft.com/office/drawing/2014/main" id="{BD3CEE82-2A92-780F-DFD9-8E7105B1F1AA}"/>
+                </a:ext>
+              </a:extLst>
+            </p:cNvPr>
+            <p:cNvCxnSpPr>
+              <a:stCxn id="19" idx="0"/>
+              <a:endCxn id="19" idx="3"/>
+            </p:cNvCxnSpPr>
+            <p:nvPr/>
+          </p:nvCxnSpPr>
+          <p:spPr>
+            <a:xfrm rot="16200000" flipH="1">
+              <a:off x="10700951" y="1846847"/>
+              <a:ext cx="218303" cy="621957"/>
+            </a:xfrm>
+            <a:prstGeom prst="bentConnector4">
+              <a:avLst>
+                <a:gd name="adj1" fmla="val -176415"/>
+                <a:gd name="adj2" fmla="val 164570"/>
+              </a:avLst>
+            </a:prstGeom>
+            <a:ln>
+              <a:tailEnd type="triangle"/>
+            </a:ln>
+          </p:spPr>
+          <p:style>
+            <a:lnRef idx="3">
+              <a:schemeClr val="dk1"/>
+            </a:lnRef>
+            <a:fillRef idx="0">
+              <a:schemeClr val="dk1"/>
+            </a:fillRef>
+            <a:effectRef idx="2">
+              <a:schemeClr val="dk1"/>
+            </a:effectRef>
+            <a:fontRef idx="minor">
+              <a:schemeClr val="tx1"/>
+            </a:fontRef>
+          </p:style>
+        </p:cxnSp>
+        <p:sp>
+          <p:nvSpPr>
+            <p:cNvPr id="27" name="TextBox 26">
+              <a:extLst>
+                <a:ext uri="{FF2B5EF4-FFF2-40B4-BE49-F238E27FC236}">
+                  <a16:creationId xmlns:a16="http://schemas.microsoft.com/office/drawing/2014/main" id="{47B75DA6-DFBC-64BC-FECD-633C7AED623B}"/>
+                </a:ext>
+              </a:extLst>
+            </p:cNvPr>
+            <p:cNvSpPr txBox="1"/>
+            <p:nvPr/>
+          </p:nvSpPr>
+          <p:spPr>
+            <a:xfrm>
+              <a:off x="10725664" y="1377656"/>
+              <a:ext cx="622286" cy="307777"/>
+            </a:xfrm>
+            <a:prstGeom prst="rect">
+              <a:avLst/>
+            </a:prstGeom>
+            <a:noFill/>
+          </p:spPr>
+          <p:txBody>
+            <a:bodyPr wrap="none" rtlCol="0">
+              <a:spAutoFit/>
+            </a:bodyPr>
+            <a:lstStyle/>
+            <a:p>
+              <a:r>
+                <a:rPr lang="da-DK" sz="1400" dirty="0"/>
+                <a:t>friend</a:t>
+              </a:r>
+              <a:endParaRPr lang="en-US" sz="1600" dirty="0"/>
+            </a:p>
+          </p:txBody>
+        </p:sp>
+        <p:sp>
+          <p:nvSpPr>
+            <p:cNvPr id="28" name="TextBox 27">
+              <a:extLst>
+                <a:ext uri="{FF2B5EF4-FFF2-40B4-BE49-F238E27FC236}">
+                  <a16:creationId xmlns:a16="http://schemas.microsoft.com/office/drawing/2014/main" id="{C3654BF1-2A90-7902-398F-7B0936B97672}"/>
+                </a:ext>
+              </a:extLst>
+            </p:cNvPr>
+            <p:cNvSpPr txBox="1"/>
+            <p:nvPr/>
+          </p:nvSpPr>
+          <p:spPr>
+            <a:xfrm>
+              <a:off x="10260225" y="1759231"/>
+              <a:ext cx="267731" cy="307777"/>
+            </a:xfrm>
+            <a:prstGeom prst="rect">
+              <a:avLst/>
+            </a:prstGeom>
+            <a:noFill/>
+          </p:spPr>
+          <p:txBody>
+            <a:bodyPr wrap="square" rtlCol="0">
+              <a:spAutoFit/>
+            </a:bodyPr>
+            <a:lstStyle/>
+            <a:p>
+              <a:r>
+                <a:rPr lang="da-DK" sz="1400" dirty="0"/>
+                <a:t>1</a:t>
+              </a:r>
+              <a:endParaRPr lang="en-US" sz="1400" dirty="0"/>
+            </a:p>
+          </p:txBody>
+        </p:sp>
+        <p:sp>
+          <p:nvSpPr>
+            <p:cNvPr id="29" name="TextBox 28">
+              <a:extLst>
+                <a:ext uri="{FF2B5EF4-FFF2-40B4-BE49-F238E27FC236}">
+                  <a16:creationId xmlns:a16="http://schemas.microsoft.com/office/drawing/2014/main" id="{2B5ECC45-9194-612D-5756-5C4336DB0223}"/>
+                </a:ext>
+              </a:extLst>
+            </p:cNvPr>
+            <p:cNvSpPr txBox="1"/>
+            <p:nvPr/>
+          </p:nvSpPr>
+          <p:spPr>
+            <a:xfrm>
+              <a:off x="11113100" y="2265490"/>
+              <a:ext cx="469299" cy="307777"/>
+            </a:xfrm>
+            <a:prstGeom prst="rect">
+              <a:avLst/>
+            </a:prstGeom>
+            <a:noFill/>
+          </p:spPr>
+          <p:txBody>
+            <a:bodyPr wrap="square" rtlCol="0">
+              <a:spAutoFit/>
+            </a:bodyPr>
+            <a:lstStyle/>
+            <a:p>
+              <a:r>
+                <a:rPr lang="da-DK" sz="1400" dirty="0"/>
+                <a:t>0..n</a:t>
+              </a:r>
+              <a:endParaRPr lang="en-US" sz="1400" dirty="0"/>
+            </a:p>
+          </p:txBody>
+        </p:sp>
+        <p:sp>
+          <p:nvSpPr>
+            <p:cNvPr id="4" name="Rectangle 3">
+              <a:extLst>
+                <a:ext uri="{FF2B5EF4-FFF2-40B4-BE49-F238E27FC236}">
+                  <a16:creationId xmlns:a16="http://schemas.microsoft.com/office/drawing/2014/main" id="{77BF3B06-BD61-173A-8D99-96B8EC864658}"/>
+                </a:ext>
+              </a:extLst>
+            </p:cNvPr>
+            <p:cNvSpPr/>
+            <p:nvPr/>
+          </p:nvSpPr>
+          <p:spPr>
+            <a:xfrm>
+              <a:off x="6293707" y="2047187"/>
+              <a:ext cx="1243914" cy="436605"/>
+            </a:xfrm>
+            <a:prstGeom prst="rect">
+              <a:avLst/>
+            </a:prstGeom>
+            <a:ln>
+              <a:solidFill>
+                <a:schemeClr val="tx1"/>
+              </a:solidFill>
+            </a:ln>
+          </p:spPr>
+          <p:style>
+            <a:lnRef idx="2">
+              <a:schemeClr val="dk1"/>
+            </a:lnRef>
+            <a:fillRef idx="1">
+              <a:schemeClr val="lt1"/>
+            </a:fillRef>
+            <a:effectRef idx="0">
+              <a:schemeClr val="dk1"/>
+            </a:effectRef>
+            <a:fontRef idx="minor">
+              <a:schemeClr val="dk1"/>
+            </a:fontRef>
+          </p:style>
+          <p:txBody>
+            <a:bodyPr rtlCol="0" anchor="ctr"/>
+            <a:lstStyle/>
+            <a:p>
+              <a:pPr algn="ctr"/>
+              <a:r>
+                <a:rPr lang="da-DK" dirty="0">
+                  <a:solidFill>
+                    <a:schemeClr val="tx1"/>
+                  </a:solidFill>
+                </a:rPr>
+                <a:t>Cat</a:t>
+              </a:r>
+              <a:endParaRPr lang="en-US" dirty="0">
+                <a:solidFill>
+                  <a:schemeClr val="tx1"/>
+                </a:solidFill>
+              </a:endParaRPr>
+            </a:p>
+          </p:txBody>
+        </p:sp>
+        <p:sp>
+          <p:nvSpPr>
+            <p:cNvPr id="5" name="Rectangle 4">
+              <a:extLst>
+                <a:ext uri="{FF2B5EF4-FFF2-40B4-BE49-F238E27FC236}">
+                  <a16:creationId xmlns:a16="http://schemas.microsoft.com/office/drawing/2014/main" id="{E3A624C0-1F2C-2286-AA60-FC8D2F846B2F}"/>
+                </a:ext>
+              </a:extLst>
+            </p:cNvPr>
+            <p:cNvSpPr/>
+            <p:nvPr/>
+          </p:nvSpPr>
+          <p:spPr>
+            <a:xfrm>
+              <a:off x="4917859" y="2062687"/>
+              <a:ext cx="1243914" cy="436605"/>
+            </a:xfrm>
+            <a:prstGeom prst="rect">
+              <a:avLst/>
+            </a:prstGeom>
+            <a:ln>
+              <a:solidFill>
+                <a:schemeClr val="tx1"/>
+              </a:solidFill>
+            </a:ln>
+          </p:spPr>
+          <p:style>
+            <a:lnRef idx="2">
+              <a:schemeClr val="dk1"/>
+            </a:lnRef>
+            <a:fillRef idx="1">
+              <a:schemeClr val="lt1"/>
+            </a:fillRef>
+            <a:effectRef idx="0">
+              <a:schemeClr val="dk1"/>
+            </a:effectRef>
+            <a:fontRef idx="minor">
+              <a:schemeClr val="dk1"/>
+            </a:fontRef>
+          </p:style>
+          <p:txBody>
+            <a:bodyPr rtlCol="0" anchor="ctr"/>
+            <a:lstStyle/>
+            <a:p>
+              <a:pPr algn="ctr"/>
+              <a:r>
+                <a:rPr lang="da-DK" dirty="0">
+                  <a:solidFill>
+                    <a:schemeClr val="tx1"/>
+                  </a:solidFill>
+                </a:rPr>
+                <a:t>Tiger</a:t>
+              </a:r>
+              <a:endParaRPr lang="en-US" dirty="0">
+                <a:solidFill>
+                  <a:schemeClr val="tx1"/>
+                </a:solidFill>
+              </a:endParaRPr>
+            </a:p>
+          </p:txBody>
+        </p:sp>
+        <p:cxnSp>
+          <p:nvCxnSpPr>
+            <p:cNvPr id="7" name="Straight Connector 6">
+              <a:extLst>
+                <a:ext uri="{FF2B5EF4-FFF2-40B4-BE49-F238E27FC236}">
+                  <a16:creationId xmlns:a16="http://schemas.microsoft.com/office/drawing/2014/main" id="{B4CB8EB2-C1B3-0EDC-E25C-36AF97A613BB}"/>
+                </a:ext>
+              </a:extLst>
+            </p:cNvPr>
+            <p:cNvCxnSpPr>
+              <a:cxnSpLocks/>
+            </p:cNvCxnSpPr>
+            <p:nvPr/>
+          </p:nvCxnSpPr>
+          <p:spPr>
+            <a:xfrm>
+              <a:off x="5539816" y="1961059"/>
+              <a:ext cx="2739211" cy="0"/>
+            </a:xfrm>
+            <a:prstGeom prst="line">
+              <a:avLst/>
+            </a:prstGeom>
+          </p:spPr>
+          <p:style>
+            <a:lnRef idx="3">
+              <a:schemeClr val="dk1"/>
+            </a:lnRef>
+            <a:fillRef idx="0">
+              <a:schemeClr val="dk1"/>
+            </a:fillRef>
+            <a:effectRef idx="2">
+              <a:schemeClr val="dk1"/>
+            </a:effectRef>
+            <a:fontRef idx="minor">
+              <a:schemeClr val="tx1"/>
+            </a:fontRef>
+          </p:style>
+        </p:cxnSp>
+        <p:cxnSp>
+          <p:nvCxnSpPr>
+            <p:cNvPr id="9" name="Straight Connector 8">
+              <a:extLst>
+                <a:ext uri="{FF2B5EF4-FFF2-40B4-BE49-F238E27FC236}">
+                  <a16:creationId xmlns:a16="http://schemas.microsoft.com/office/drawing/2014/main" id="{771D7AF3-D42F-4390-67D6-742D74E63B6A}"/>
+                </a:ext>
+              </a:extLst>
+            </p:cNvPr>
+            <p:cNvCxnSpPr>
+              <a:stCxn id="5" idx="0"/>
+            </p:cNvCxnSpPr>
+            <p:nvPr/>
+          </p:nvCxnSpPr>
+          <p:spPr>
+            <a:xfrm flipV="1">
+              <a:off x="5539816" y="1961059"/>
+              <a:ext cx="0" cy="101628"/>
+            </a:xfrm>
+            <a:prstGeom prst="line">
+              <a:avLst/>
+            </a:prstGeom>
+          </p:spPr>
+          <p:style>
+            <a:lnRef idx="3">
+              <a:schemeClr val="dk1"/>
+            </a:lnRef>
+            <a:fillRef idx="0">
+              <a:schemeClr val="dk1"/>
+            </a:fillRef>
+            <a:effectRef idx="2">
+              <a:schemeClr val="dk1"/>
+            </a:effectRef>
+            <a:fontRef idx="minor">
+              <a:schemeClr val="tx1"/>
+            </a:fontRef>
+          </p:style>
+        </p:cxnSp>
+        <p:cxnSp>
+          <p:nvCxnSpPr>
+            <p:cNvPr id="10" name="Straight Connector 9">
+              <a:extLst>
+                <a:ext uri="{FF2B5EF4-FFF2-40B4-BE49-F238E27FC236}">
+                  <a16:creationId xmlns:a16="http://schemas.microsoft.com/office/drawing/2014/main" id="{C89D4204-4BD6-C0F3-C301-28D86FDBDCC1}"/>
+                </a:ext>
+              </a:extLst>
+            </p:cNvPr>
+            <p:cNvCxnSpPr>
+              <a:cxnSpLocks/>
+              <a:stCxn id="20" idx="0"/>
+            </p:cNvCxnSpPr>
+            <p:nvPr/>
+          </p:nvCxnSpPr>
+          <p:spPr>
+            <a:xfrm flipV="1">
+              <a:off x="8279027" y="1968066"/>
+              <a:ext cx="0" cy="80608"/>
+            </a:xfrm>
+            <a:prstGeom prst="line">
+              <a:avLst/>
+            </a:prstGeom>
+          </p:spPr>
+          <p:style>
+            <a:lnRef idx="3">
+              <a:schemeClr val="dk1"/>
+            </a:lnRef>
+            <a:fillRef idx="0">
+              <a:schemeClr val="dk1"/>
+            </a:fillRef>
+            <a:effectRef idx="2">
+              <a:schemeClr val="dk1"/>
+            </a:effectRef>
+            <a:fontRef idx="minor">
+              <a:schemeClr val="tx1"/>
+            </a:fontRef>
+          </p:style>
+        </p:cxnSp>
+      </p:grpSp>
+    </p:spTree>
+    <p:extLst>
+      <p:ext uri="{BB962C8B-B14F-4D97-AF65-F5344CB8AC3E}">
+        <p14:creationId xmlns:p14="http://schemas.microsoft.com/office/powerpoint/2010/main" val="79117186"/>
+      </p:ext>
+    </p:extLst>
+  </p:cSld>
+  <p:clrMapOvr>
+    <a:masterClrMapping/>
+  </p:clrMapOvr>
+</p:sld>
+</file>
+
+<file path=ppt/slides/slide11.xml><?xml version="1.0" encoding="utf-8"?>
+<p:sld xmlns:a="http://schemas.openxmlformats.org/drawingml/2006/main" xmlns:r="http://schemas.openxmlformats.org/officeDocument/2006/relationships" xmlns:p="http://schemas.openxmlformats.org/presentationml/2006/main">
+  <p:cSld>
+    <p:spTree>
+      <p:nvGrpSpPr>
+        <p:cNvPr id="1" name=""/>
+        <p:cNvGrpSpPr/>
+        <p:nvPr/>
+      </p:nvGrpSpPr>
+      <p:grpSpPr>
+        <a:xfrm>
+          <a:off x="0" y="0"/>
+          <a:ext cx="0" cy="0"/>
+          <a:chOff x="0" y="0"/>
+          <a:chExt cx="0" cy="0"/>
+        </a:xfrm>
+      </p:grpSpPr>
+      <p:sp>
+        <p:nvSpPr>
           <p:cNvPr id="13" name="TextBox 12">
             <a:extLst>
               <a:ext uri="{FF2B5EF4-FFF2-40B4-BE49-F238E27FC236}">
@@ -4297,7 +5299,7 @@
 </p:sld>
 </file>
 
-<file path=ppt/slides/slide11.xml><?xml version="1.0" encoding="utf-8"?>
+<file path=ppt/slides/slide12.xml><?xml version="1.0" encoding="utf-8"?>
 <p:sld xmlns:a="http://schemas.openxmlformats.org/drawingml/2006/main" xmlns:r="http://schemas.openxmlformats.org/officeDocument/2006/relationships" xmlns:p="http://schemas.openxmlformats.org/presentationml/2006/main">
   <p:cSld>
     <p:spTree>
@@ -7250,7 +8252,7 @@
 </p:sld>
 </file>
 
-<file path=ppt/slides/slide12.xml><?xml version="1.0" encoding="utf-8"?>
+<file path=ppt/slides/slide13.xml><?xml version="1.0" encoding="utf-8"?>
 <p:sld xmlns:a="http://schemas.openxmlformats.org/drawingml/2006/main" xmlns:r="http://schemas.openxmlformats.org/officeDocument/2006/relationships" xmlns:p="http://schemas.openxmlformats.org/presentationml/2006/main">
   <p:cSld>
     <p:spTree>
@@ -7565,7 +8567,7 @@
 </p:sld>
 </file>
 
-<file path=ppt/slides/slide13.xml><?xml version="1.0" encoding="utf-8"?>
+<file path=ppt/slides/slide14.xml><?xml version="1.0" encoding="utf-8"?>
 <p:sld xmlns:a="http://schemas.openxmlformats.org/drawingml/2006/main" xmlns:r="http://schemas.openxmlformats.org/officeDocument/2006/relationships" xmlns:p="http://schemas.openxmlformats.org/presentationml/2006/main">
   <p:cSld>
     <p:bg>
@@ -7676,104 +8678,6 @@
     <p:extLst>
       <p:ext uri="{BB962C8B-B14F-4D97-AF65-F5344CB8AC3E}">
         <p14:creationId xmlns:p14="http://schemas.microsoft.com/office/powerpoint/2010/main" val="1318420508"/>
-      </p:ext>
-    </p:extLst>
-  </p:cSld>
-  <p:clrMapOvr>
-    <a:masterClrMapping/>
-  </p:clrMapOvr>
-</p:sld>
-</file>
-
-<file path=ppt/slides/slide14.xml><?xml version="1.0" encoding="utf-8"?>
-<p:sld xmlns:a="http://schemas.openxmlformats.org/drawingml/2006/main" xmlns:r="http://schemas.openxmlformats.org/officeDocument/2006/relationships" xmlns:p="http://schemas.openxmlformats.org/presentationml/2006/main">
-  <p:cSld>
-    <p:spTree>
-      <p:nvGrpSpPr>
-        <p:cNvPr id="1" name=""/>
-        <p:cNvGrpSpPr/>
-        <p:nvPr/>
-      </p:nvGrpSpPr>
-      <p:grpSpPr>
-        <a:xfrm>
-          <a:off x="0" y="0"/>
-          <a:ext cx="0" cy="0"/>
-          <a:chOff x="0" y="0"/>
-          <a:chExt cx="0" cy="0"/>
-        </a:xfrm>
-      </p:grpSpPr>
-      <p:sp>
-        <p:nvSpPr>
-          <p:cNvPr id="2" name="Title 1">
-            <a:extLst>
-              <a:ext uri="{FF2B5EF4-FFF2-40B4-BE49-F238E27FC236}">
-                <a16:creationId xmlns:a16="http://schemas.microsoft.com/office/drawing/2014/main" id="{E3623658-D2CD-581D-424E-8D7D995402B5}"/>
-              </a:ext>
-            </a:extLst>
-          </p:cNvPr>
-          <p:cNvSpPr>
-            <a:spLocks noGrp="1"/>
-          </p:cNvSpPr>
-          <p:nvPr>
-            <p:ph type="title"/>
-          </p:nvPr>
-        </p:nvSpPr>
-        <p:spPr/>
-        <p:txBody>
-          <a:bodyPr/>
-          <a:lstStyle/>
-          <a:p>
-            <a:r>
-              <a:rPr lang="en-US" dirty="0"/>
-              <a:t>Static Properties</a:t>
-            </a:r>
-          </a:p>
-        </p:txBody>
-      </p:sp>
-      <p:sp>
-        <p:nvSpPr>
-          <p:cNvPr id="3" name="Content Placeholder 2">
-            <a:extLst>
-              <a:ext uri="{FF2B5EF4-FFF2-40B4-BE49-F238E27FC236}">
-                <a16:creationId xmlns:a16="http://schemas.microsoft.com/office/drawing/2014/main" id="{7593F0B9-5274-3916-8090-0D92BA058C94}"/>
-              </a:ext>
-            </a:extLst>
-          </p:cNvPr>
-          <p:cNvSpPr>
-            <a:spLocks noGrp="1"/>
-          </p:cNvSpPr>
-          <p:nvPr>
-            <p:ph idx="1"/>
-          </p:nvPr>
-        </p:nvSpPr>
-        <p:spPr/>
-        <p:txBody>
-          <a:bodyPr/>
-          <a:lstStyle/>
-          <a:p>
-            <a:r>
-              <a:rPr lang="en-US" dirty="0"/>
-              <a:t>When you declare an object instance of a class, the object instantiates its own instances of the properties and methods of the class it implements </a:t>
-            </a:r>
-          </a:p>
-          <a:p>
-            <a:r>
-              <a:rPr lang="en-US" dirty="0"/>
-              <a:t>However, sometimes you may want different object instances of a class to access the same, shared variables.</a:t>
-            </a:r>
-          </a:p>
-          <a:p>
-            <a:r>
-              <a:rPr lang="en-US" dirty="0"/>
-              <a:t>To access the static property, you don’t create an object instance of the class; instead, you refer to the class directly</a:t>
-            </a:r>
-          </a:p>
-        </p:txBody>
-      </p:sp>
-    </p:spTree>
-    <p:extLst>
-      <p:ext uri="{BB962C8B-B14F-4D97-AF65-F5344CB8AC3E}">
-        <p14:creationId xmlns:p14="http://schemas.microsoft.com/office/powerpoint/2010/main" val="1964067318"/>
       </p:ext>
     </p:extLst>
   </p:cSld>
@@ -7823,6 +8727,104 @@
           <a:p>
             <a:r>
               <a:rPr lang="en-US" dirty="0"/>
+              <a:t>Static Properties</a:t>
+            </a:r>
+          </a:p>
+        </p:txBody>
+      </p:sp>
+      <p:sp>
+        <p:nvSpPr>
+          <p:cNvPr id="3" name="Content Placeholder 2">
+            <a:extLst>
+              <a:ext uri="{FF2B5EF4-FFF2-40B4-BE49-F238E27FC236}">
+                <a16:creationId xmlns:a16="http://schemas.microsoft.com/office/drawing/2014/main" id="{7593F0B9-5274-3916-8090-0D92BA058C94}"/>
+              </a:ext>
+            </a:extLst>
+          </p:cNvPr>
+          <p:cNvSpPr>
+            <a:spLocks noGrp="1"/>
+          </p:cNvSpPr>
+          <p:nvPr>
+            <p:ph idx="1"/>
+          </p:nvPr>
+        </p:nvSpPr>
+        <p:spPr/>
+        <p:txBody>
+          <a:bodyPr/>
+          <a:lstStyle/>
+          <a:p>
+            <a:r>
+              <a:rPr lang="en-US" dirty="0"/>
+              <a:t>When you declare an object instance of a class, the object instantiates its own instances of the properties and methods of the class it implements </a:t>
+            </a:r>
+          </a:p>
+          <a:p>
+            <a:r>
+              <a:rPr lang="en-US" dirty="0"/>
+              <a:t>However, sometimes you may want different object instances of a class to access the same, shared variables.</a:t>
+            </a:r>
+          </a:p>
+          <a:p>
+            <a:r>
+              <a:rPr lang="en-US" dirty="0"/>
+              <a:t>To access the static property, you don’t create an object instance of the class; instead, you refer to the class directly</a:t>
+            </a:r>
+          </a:p>
+        </p:txBody>
+      </p:sp>
+    </p:spTree>
+    <p:extLst>
+      <p:ext uri="{BB962C8B-B14F-4D97-AF65-F5344CB8AC3E}">
+        <p14:creationId xmlns:p14="http://schemas.microsoft.com/office/powerpoint/2010/main" val="1964067318"/>
+      </p:ext>
+    </p:extLst>
+  </p:cSld>
+  <p:clrMapOvr>
+    <a:masterClrMapping/>
+  </p:clrMapOvr>
+</p:sld>
+</file>
+
+<file path=ppt/slides/slide16.xml><?xml version="1.0" encoding="utf-8"?>
+<p:sld xmlns:a="http://schemas.openxmlformats.org/drawingml/2006/main" xmlns:r="http://schemas.openxmlformats.org/officeDocument/2006/relationships" xmlns:p="http://schemas.openxmlformats.org/presentationml/2006/main">
+  <p:cSld>
+    <p:spTree>
+      <p:nvGrpSpPr>
+        <p:cNvPr id="1" name=""/>
+        <p:cNvGrpSpPr/>
+        <p:nvPr/>
+      </p:nvGrpSpPr>
+      <p:grpSpPr>
+        <a:xfrm>
+          <a:off x="0" y="0"/>
+          <a:ext cx="0" cy="0"/>
+          <a:chOff x="0" y="0"/>
+          <a:chExt cx="0" cy="0"/>
+        </a:xfrm>
+      </p:grpSpPr>
+      <p:sp>
+        <p:nvSpPr>
+          <p:cNvPr id="2" name="Title 1">
+            <a:extLst>
+              <a:ext uri="{FF2B5EF4-FFF2-40B4-BE49-F238E27FC236}">
+                <a16:creationId xmlns:a16="http://schemas.microsoft.com/office/drawing/2014/main" id="{E3623658-D2CD-581D-424E-8D7D995402B5}"/>
+              </a:ext>
+            </a:extLst>
+          </p:cNvPr>
+          <p:cNvSpPr>
+            <a:spLocks noGrp="1"/>
+          </p:cNvSpPr>
+          <p:nvPr>
+            <p:ph type="title"/>
+          </p:nvPr>
+        </p:nvSpPr>
+        <p:spPr/>
+        <p:txBody>
+          <a:bodyPr/>
+          <a:lstStyle/>
+          <a:p>
+            <a:r>
+              <a:rPr lang="en-US" dirty="0"/>
               <a:t>Static Methods</a:t>
             </a:r>
           </a:p>
@@ -8052,7 +9054,7 @@
 </p:sld>
 </file>
 
-<file path=ppt/slides/slide16.xml><?xml version="1.0" encoding="utf-8"?>
+<file path=ppt/slides/slide17.xml><?xml version="1.0" encoding="utf-8"?>
 <p:sld xmlns:a="http://schemas.openxmlformats.org/drawingml/2006/main" xmlns:r="http://schemas.openxmlformats.org/officeDocument/2006/relationships" xmlns:p="http://schemas.openxmlformats.org/presentationml/2006/main">
   <p:cSld>
     <p:spTree>
@@ -8350,7 +9352,7 @@
 </p:sld>
 </file>
 
-<file path=ppt/slides/slide17.xml><?xml version="1.0" encoding="utf-8"?>
+<file path=ppt/slides/slide18.xml><?xml version="1.0" encoding="utf-8"?>
 <p:sld xmlns:a="http://schemas.openxmlformats.org/drawingml/2006/main" xmlns:r="http://schemas.openxmlformats.org/officeDocument/2006/relationships" xmlns:p="http://schemas.openxmlformats.org/presentationml/2006/main">
   <p:cSld>
     <p:spTree>
@@ -8867,7 +9869,7 @@
 </p:sld>
 </file>
 
-<file path=ppt/slides/slide18.xml><?xml version="1.0" encoding="utf-8"?>
+<file path=ppt/slides/slide19.xml><?xml version="1.0" encoding="utf-8"?>
 <p:sld xmlns:a="http://schemas.openxmlformats.org/drawingml/2006/main" xmlns:r="http://schemas.openxmlformats.org/officeDocument/2006/relationships" xmlns:p="http://schemas.openxmlformats.org/presentationml/2006/main">
   <p:cSld>
     <p:spTree>
@@ -9244,7 +10246,154 @@
 </p:sld>
 </file>
 
-<file path=ppt/slides/slide19.xml><?xml version="1.0" encoding="utf-8"?>
+<file path=ppt/slides/slide2.xml><?xml version="1.0" encoding="utf-8"?>
+<p:sld xmlns:a="http://schemas.openxmlformats.org/drawingml/2006/main" xmlns:r="http://schemas.openxmlformats.org/officeDocument/2006/relationships" xmlns:p="http://schemas.openxmlformats.org/presentationml/2006/main">
+  <p:cSld>
+    <p:spTree>
+      <p:nvGrpSpPr>
+        <p:cNvPr id="1" name=""/>
+        <p:cNvGrpSpPr/>
+        <p:nvPr/>
+      </p:nvGrpSpPr>
+      <p:grpSpPr>
+        <a:xfrm>
+          <a:off x="0" y="0"/>
+          <a:ext cx="0" cy="0"/>
+          <a:chOff x="0" y="0"/>
+          <a:chExt cx="0" cy="0"/>
+        </a:xfrm>
+      </p:grpSpPr>
+      <p:sp>
+        <p:nvSpPr>
+          <p:cNvPr id="2" name="Title 1">
+            <a:extLst>
+              <a:ext uri="{FF2B5EF4-FFF2-40B4-BE49-F238E27FC236}">
+                <a16:creationId xmlns:a16="http://schemas.microsoft.com/office/drawing/2014/main" id="{8BF6064B-BB27-0190-083E-8B3BFE6677C8}"/>
+              </a:ext>
+            </a:extLst>
+          </p:cNvPr>
+          <p:cNvSpPr>
+            <a:spLocks noGrp="1"/>
+          </p:cNvSpPr>
+          <p:nvPr>
+            <p:ph type="title"/>
+          </p:nvPr>
+        </p:nvSpPr>
+        <p:spPr/>
+        <p:txBody>
+          <a:bodyPr/>
+          <a:lstStyle/>
+          <a:p>
+            <a:r>
+              <a:rPr lang="da-DK" dirty="0" err="1"/>
+              <a:t>Topics</a:t>
+            </a:r>
+            <a:r>
+              <a:rPr lang="da-DK" dirty="0"/>
+              <a:t>:</a:t>
+            </a:r>
+            <a:endParaRPr lang="en-US" dirty="0"/>
+          </a:p>
+        </p:txBody>
+      </p:sp>
+      <p:sp>
+        <p:nvSpPr>
+          <p:cNvPr id="3" name="Content Placeholder 2">
+            <a:extLst>
+              <a:ext uri="{FF2B5EF4-FFF2-40B4-BE49-F238E27FC236}">
+                <a16:creationId xmlns:a16="http://schemas.microsoft.com/office/drawing/2014/main" id="{1F8E08BB-4894-C757-217E-F7694A82F34D}"/>
+              </a:ext>
+            </a:extLst>
+          </p:cNvPr>
+          <p:cNvSpPr>
+            <a:spLocks noGrp="1"/>
+          </p:cNvSpPr>
+          <p:nvPr>
+            <p:ph idx="1"/>
+          </p:nvPr>
+        </p:nvSpPr>
+        <p:spPr/>
+        <p:txBody>
+          <a:bodyPr>
+            <a:normAutofit/>
+          </a:bodyPr>
+          <a:lstStyle/>
+          <a:p>
+            <a:r>
+              <a:rPr lang="en-US" dirty="0" err="1"/>
+              <a:t>Chpt</a:t>
+            </a:r>
+            <a:r>
+              <a:rPr lang="en-US" dirty="0"/>
+              <a:t> 2 - parts</a:t>
+            </a:r>
+          </a:p>
+          <a:p>
+            <a:pPr lvl="1"/>
+            <a:r>
+              <a:rPr lang="en-US" dirty="0"/>
+              <a:t>Modeling Object Relationships -&gt; </a:t>
+            </a:r>
+            <a:r>
+              <a:rPr lang="en-US" i="1" dirty="0"/>
+              <a:t>the HAS-A relationship</a:t>
+            </a:r>
+            <a:endParaRPr lang="en-US" dirty="0"/>
+          </a:p>
+          <a:p>
+            <a:r>
+              <a:rPr lang="en-US" dirty="0" err="1"/>
+              <a:t>Chpt</a:t>
+            </a:r>
+            <a:r>
+              <a:rPr lang="en-US" dirty="0"/>
+              <a:t> 8 - parts </a:t>
+            </a:r>
+          </a:p>
+          <a:p>
+            <a:pPr lvl="1"/>
+            <a:r>
+              <a:rPr lang="en-US" dirty="0"/>
+              <a:t>static methods and static properties</a:t>
+            </a:r>
+          </a:p>
+          <a:p>
+            <a:r>
+              <a:rPr lang="en-US" dirty="0"/>
+              <a:t>Serialization and Deserialization</a:t>
+            </a:r>
+          </a:p>
+          <a:p>
+            <a:r>
+              <a:rPr lang="en-US" dirty="0"/>
+              <a:t>Favor Composition over Inheritance</a:t>
+            </a:r>
+          </a:p>
+          <a:p>
+            <a:endParaRPr lang="en-US" dirty="0"/>
+          </a:p>
+          <a:p>
+            <a:r>
+              <a:rPr lang="en-US" dirty="0"/>
+              <a:t>Task (together in class) to wrap it all up :)</a:t>
+            </a:r>
+          </a:p>
+        </p:txBody>
+      </p:sp>
+    </p:spTree>
+    <p:extLst>
+      <p:ext uri="{BB962C8B-B14F-4D97-AF65-F5344CB8AC3E}">
+        <p14:creationId xmlns:p14="http://schemas.microsoft.com/office/powerpoint/2010/main" val="2037652104"/>
+      </p:ext>
+    </p:extLst>
+  </p:cSld>
+  <p:clrMapOvr>
+    <a:masterClrMapping/>
+  </p:clrMapOvr>
+</p:sld>
+</file>
+
+<file path=ppt/slides/slide20.xml><?xml version="1.0" encoding="utf-8"?>
 <p:sld xmlns:a="http://schemas.openxmlformats.org/drawingml/2006/main" xmlns:r="http://schemas.openxmlformats.org/officeDocument/2006/relationships" xmlns:p="http://schemas.openxmlformats.org/presentationml/2006/main">
   <p:cSld>
     <p:spTree>
@@ -9477,7 +10626,7 @@
         </p:nvGrpSpPr>
         <p:grpSpPr>
           <a:xfrm>
-            <a:off x="5113867" y="1559267"/>
+            <a:off x="5437717" y="1606892"/>
             <a:ext cx="6429488" cy="2707934"/>
             <a:chOff x="5113867" y="1559267"/>
             <a:chExt cx="6429488" cy="2707934"/>
@@ -9568,154 +10717,7 @@
 </p:sld>
 </file>
 
-<file path=ppt/slides/slide2.xml><?xml version="1.0" encoding="utf-8"?>
-<p:sld xmlns:a="http://schemas.openxmlformats.org/drawingml/2006/main" xmlns:r="http://schemas.openxmlformats.org/officeDocument/2006/relationships" xmlns:p="http://schemas.openxmlformats.org/presentationml/2006/main">
-  <p:cSld>
-    <p:spTree>
-      <p:nvGrpSpPr>
-        <p:cNvPr id="1" name=""/>
-        <p:cNvGrpSpPr/>
-        <p:nvPr/>
-      </p:nvGrpSpPr>
-      <p:grpSpPr>
-        <a:xfrm>
-          <a:off x="0" y="0"/>
-          <a:ext cx="0" cy="0"/>
-          <a:chOff x="0" y="0"/>
-          <a:chExt cx="0" cy="0"/>
-        </a:xfrm>
-      </p:grpSpPr>
-      <p:sp>
-        <p:nvSpPr>
-          <p:cNvPr id="2" name="Title 1">
-            <a:extLst>
-              <a:ext uri="{FF2B5EF4-FFF2-40B4-BE49-F238E27FC236}">
-                <a16:creationId xmlns:a16="http://schemas.microsoft.com/office/drawing/2014/main" id="{8BF6064B-BB27-0190-083E-8B3BFE6677C8}"/>
-              </a:ext>
-            </a:extLst>
-          </p:cNvPr>
-          <p:cNvSpPr>
-            <a:spLocks noGrp="1"/>
-          </p:cNvSpPr>
-          <p:nvPr>
-            <p:ph type="title"/>
-          </p:nvPr>
-        </p:nvSpPr>
-        <p:spPr/>
-        <p:txBody>
-          <a:bodyPr/>
-          <a:lstStyle/>
-          <a:p>
-            <a:r>
-              <a:rPr lang="da-DK" dirty="0" err="1"/>
-              <a:t>Topics</a:t>
-            </a:r>
-            <a:r>
-              <a:rPr lang="da-DK" dirty="0"/>
-              <a:t>:</a:t>
-            </a:r>
-            <a:endParaRPr lang="en-US" dirty="0"/>
-          </a:p>
-        </p:txBody>
-      </p:sp>
-      <p:sp>
-        <p:nvSpPr>
-          <p:cNvPr id="3" name="Content Placeholder 2">
-            <a:extLst>
-              <a:ext uri="{FF2B5EF4-FFF2-40B4-BE49-F238E27FC236}">
-                <a16:creationId xmlns:a16="http://schemas.microsoft.com/office/drawing/2014/main" id="{1F8E08BB-4894-C757-217E-F7694A82F34D}"/>
-              </a:ext>
-            </a:extLst>
-          </p:cNvPr>
-          <p:cNvSpPr>
-            <a:spLocks noGrp="1"/>
-          </p:cNvSpPr>
-          <p:nvPr>
-            <p:ph idx="1"/>
-          </p:nvPr>
-        </p:nvSpPr>
-        <p:spPr/>
-        <p:txBody>
-          <a:bodyPr>
-            <a:normAutofit/>
-          </a:bodyPr>
-          <a:lstStyle/>
-          <a:p>
-            <a:r>
-              <a:rPr lang="en-US" dirty="0" err="1"/>
-              <a:t>Chpt</a:t>
-            </a:r>
-            <a:r>
-              <a:rPr lang="en-US" dirty="0"/>
-              <a:t> 2 - parts</a:t>
-            </a:r>
-          </a:p>
-          <a:p>
-            <a:pPr lvl="1"/>
-            <a:r>
-              <a:rPr lang="en-US" dirty="0"/>
-              <a:t>Modeling Object Relationships -&gt; </a:t>
-            </a:r>
-            <a:r>
-              <a:rPr lang="en-US" i="1" dirty="0"/>
-              <a:t>the HAS-A relationship</a:t>
-            </a:r>
-            <a:endParaRPr lang="en-US" dirty="0"/>
-          </a:p>
-          <a:p>
-            <a:r>
-              <a:rPr lang="en-US" dirty="0" err="1"/>
-              <a:t>Chpt</a:t>
-            </a:r>
-            <a:r>
-              <a:rPr lang="en-US" dirty="0"/>
-              <a:t> 8 - parts </a:t>
-            </a:r>
-          </a:p>
-          <a:p>
-            <a:pPr lvl="1"/>
-            <a:r>
-              <a:rPr lang="en-US" dirty="0"/>
-              <a:t>static methods and static properties</a:t>
-            </a:r>
-          </a:p>
-          <a:p>
-            <a:r>
-              <a:rPr lang="en-US" dirty="0"/>
-              <a:t>Serialization and Deserialization</a:t>
-            </a:r>
-          </a:p>
-          <a:p>
-            <a:r>
-              <a:rPr lang="en-US" dirty="0"/>
-              <a:t>Favor Composition over Inheritance</a:t>
-            </a:r>
-          </a:p>
-          <a:p>
-            <a:endParaRPr lang="en-US" dirty="0"/>
-          </a:p>
-          <a:p>
-            <a:r>
-              <a:rPr lang="en-US" dirty="0"/>
-              <a:t>Task (together in class) to wrap it all up :)</a:t>
-            </a:r>
-          </a:p>
-        </p:txBody>
-      </p:sp>
-    </p:spTree>
-    <p:extLst>
-      <p:ext uri="{BB962C8B-B14F-4D97-AF65-F5344CB8AC3E}">
-        <p14:creationId xmlns:p14="http://schemas.microsoft.com/office/powerpoint/2010/main" val="2037652104"/>
-      </p:ext>
-    </p:extLst>
-  </p:cSld>
-  <p:clrMapOvr>
-    <a:masterClrMapping/>
-  </p:clrMapOvr>
-</p:sld>
-</file>
-
-<file path=ppt/slides/slide20.xml><?xml version="1.0" encoding="utf-8"?>
+<file path=ppt/slides/slide21.xml><?xml version="1.0" encoding="utf-8"?>
 <p:sld xmlns:a="http://schemas.openxmlformats.org/drawingml/2006/main" xmlns:r="http://schemas.openxmlformats.org/officeDocument/2006/relationships" xmlns:p="http://schemas.openxmlformats.org/presentationml/2006/main">
   <p:cSld>
     <p:spTree>
@@ -9930,7 +10932,7 @@
 </p:sld>
 </file>
 
-<file path=ppt/slides/slide21.xml><?xml version="1.0" encoding="utf-8"?>
+<file path=ppt/slides/slide22.xml><?xml version="1.0" encoding="utf-8"?>
 <p:sld xmlns:a="http://schemas.openxmlformats.org/drawingml/2006/main" xmlns:r="http://schemas.openxmlformats.org/officeDocument/2006/relationships" xmlns:p="http://schemas.openxmlformats.org/presentationml/2006/main">
   <p:cSld>
     <p:bg>
@@ -10050,7 +11052,7 @@
 </p:sld>
 </file>
 
-<file path=ppt/slides/slide22.xml><?xml version="1.0" encoding="utf-8"?>
+<file path=ppt/slides/slide23.xml><?xml version="1.0" encoding="utf-8"?>
 <p:sld xmlns:a="http://schemas.openxmlformats.org/drawingml/2006/main" xmlns:r="http://schemas.openxmlformats.org/officeDocument/2006/relationships" xmlns:p="http://schemas.openxmlformats.org/presentationml/2006/main">
   <p:cSld>
     <p:spTree>
@@ -12965,6 +13967,830 @@
           <p:cNvPr id="2" name="Title 1">
             <a:extLst>
               <a:ext uri="{FF2B5EF4-FFF2-40B4-BE49-F238E27FC236}">
+                <a16:creationId xmlns:a16="http://schemas.microsoft.com/office/drawing/2014/main" id="{37842A8F-96C4-5D73-1526-DF5A3DD29B05}"/>
+              </a:ext>
+            </a:extLst>
+          </p:cNvPr>
+          <p:cNvSpPr>
+            <a:spLocks noGrp="1"/>
+          </p:cNvSpPr>
+          <p:nvPr>
+            <p:ph type="title"/>
+          </p:nvPr>
+        </p:nvSpPr>
+        <p:spPr/>
+        <p:txBody>
+          <a:bodyPr/>
+          <a:lstStyle/>
+          <a:p>
+            <a:r>
+              <a:rPr lang="da-DK" dirty="0" err="1"/>
+              <a:t>Many</a:t>
+            </a:r>
+            <a:r>
+              <a:rPr lang="da-DK" dirty="0"/>
+              <a:t> to </a:t>
+            </a:r>
+            <a:r>
+              <a:rPr lang="da-DK" dirty="0" err="1"/>
+              <a:t>many</a:t>
+            </a:r>
+            <a:endParaRPr lang="en-US" dirty="0"/>
+          </a:p>
+        </p:txBody>
+      </p:sp>
+      <p:sp>
+        <p:nvSpPr>
+          <p:cNvPr id="4" name="Rectangle 3">
+            <a:extLst>
+              <a:ext uri="{FF2B5EF4-FFF2-40B4-BE49-F238E27FC236}">
+                <a16:creationId xmlns:a16="http://schemas.microsoft.com/office/drawing/2014/main" id="{8115DD2E-01F2-851F-877F-413AFD9B308B}"/>
+              </a:ext>
+            </a:extLst>
+          </p:cNvPr>
+          <p:cNvSpPr/>
+          <p:nvPr/>
+        </p:nvSpPr>
+        <p:spPr>
+          <a:xfrm>
+            <a:off x="1161535" y="1927654"/>
+            <a:ext cx="2001795" cy="823784"/>
+          </a:xfrm>
+          <a:prstGeom prst="rect">
+            <a:avLst/>
+          </a:prstGeom>
+        </p:spPr>
+        <p:style>
+          <a:lnRef idx="2">
+            <a:schemeClr val="dk1"/>
+          </a:lnRef>
+          <a:fillRef idx="1">
+            <a:schemeClr val="lt1"/>
+          </a:fillRef>
+          <a:effectRef idx="0">
+            <a:schemeClr val="dk1"/>
+          </a:effectRef>
+          <a:fontRef idx="minor">
+            <a:schemeClr val="dk1"/>
+          </a:fontRef>
+        </p:style>
+        <p:txBody>
+          <a:bodyPr rtlCol="0" anchor="ctr"/>
+          <a:lstStyle/>
+          <a:p>
+            <a:pPr algn="ctr"/>
+            <a:r>
+              <a:rPr lang="da-DK" dirty="0"/>
+              <a:t>person</a:t>
+            </a:r>
+            <a:endParaRPr lang="en-US" dirty="0"/>
+          </a:p>
+        </p:txBody>
+      </p:sp>
+      <p:sp>
+        <p:nvSpPr>
+          <p:cNvPr id="5" name="Rectangle 4">
+            <a:extLst>
+              <a:ext uri="{FF2B5EF4-FFF2-40B4-BE49-F238E27FC236}">
+                <a16:creationId xmlns:a16="http://schemas.microsoft.com/office/drawing/2014/main" id="{575100BF-68D1-5E58-AF05-23D29FE2C739}"/>
+              </a:ext>
+            </a:extLst>
+          </p:cNvPr>
+          <p:cNvSpPr/>
+          <p:nvPr/>
+        </p:nvSpPr>
+        <p:spPr>
+          <a:xfrm>
+            <a:off x="4328984" y="1927654"/>
+            <a:ext cx="2001795" cy="823784"/>
+          </a:xfrm>
+          <a:prstGeom prst="rect">
+            <a:avLst/>
+          </a:prstGeom>
+        </p:spPr>
+        <p:style>
+          <a:lnRef idx="2">
+            <a:schemeClr val="dk1"/>
+          </a:lnRef>
+          <a:fillRef idx="1">
+            <a:schemeClr val="lt1"/>
+          </a:fillRef>
+          <a:effectRef idx="0">
+            <a:schemeClr val="dk1"/>
+          </a:effectRef>
+          <a:fontRef idx="minor">
+            <a:schemeClr val="dk1"/>
+          </a:fontRef>
+        </p:style>
+        <p:txBody>
+          <a:bodyPr rtlCol="0" anchor="ctr"/>
+          <a:lstStyle/>
+          <a:p>
+            <a:pPr algn="ctr"/>
+            <a:r>
+              <a:rPr lang="da-DK" dirty="0"/>
+              <a:t>car</a:t>
+            </a:r>
+            <a:endParaRPr lang="en-US" dirty="0"/>
+          </a:p>
+        </p:txBody>
+      </p:sp>
+      <p:cxnSp>
+        <p:nvCxnSpPr>
+          <p:cNvPr id="7" name="Straight Connector 6">
+            <a:extLst>
+              <a:ext uri="{FF2B5EF4-FFF2-40B4-BE49-F238E27FC236}">
+                <a16:creationId xmlns:a16="http://schemas.microsoft.com/office/drawing/2014/main" id="{AE9CCE73-D358-120B-6B43-DC38C803B339}"/>
+              </a:ext>
+            </a:extLst>
+          </p:cNvPr>
+          <p:cNvCxnSpPr>
+            <a:stCxn id="4" idx="3"/>
+            <a:endCxn id="5" idx="1"/>
+          </p:cNvCxnSpPr>
+          <p:nvPr/>
+        </p:nvCxnSpPr>
+        <p:spPr>
+          <a:xfrm>
+            <a:off x="3163330" y="2339546"/>
+            <a:ext cx="1165654" cy="0"/>
+          </a:xfrm>
+          <a:prstGeom prst="line">
+            <a:avLst/>
+          </a:prstGeom>
+        </p:spPr>
+        <p:style>
+          <a:lnRef idx="1">
+            <a:schemeClr val="accent1"/>
+          </a:lnRef>
+          <a:fillRef idx="0">
+            <a:schemeClr val="accent1"/>
+          </a:fillRef>
+          <a:effectRef idx="0">
+            <a:schemeClr val="accent1"/>
+          </a:effectRef>
+          <a:fontRef idx="minor">
+            <a:schemeClr val="tx1"/>
+          </a:fontRef>
+        </p:style>
+      </p:cxnSp>
+      <p:sp>
+        <p:nvSpPr>
+          <p:cNvPr id="8" name="TextBox 7">
+            <a:extLst>
+              <a:ext uri="{FF2B5EF4-FFF2-40B4-BE49-F238E27FC236}">
+                <a16:creationId xmlns:a16="http://schemas.microsoft.com/office/drawing/2014/main" id="{6D253CCC-41FE-BD0A-5C6F-BC20A3C046F5}"/>
+              </a:ext>
+            </a:extLst>
+          </p:cNvPr>
+          <p:cNvSpPr txBox="1"/>
+          <p:nvPr/>
+        </p:nvSpPr>
+        <p:spPr>
+          <a:xfrm>
+            <a:off x="3163330" y="2067697"/>
+            <a:ext cx="300082" cy="369332"/>
+          </a:xfrm>
+          <a:prstGeom prst="rect">
+            <a:avLst/>
+          </a:prstGeom>
+          <a:noFill/>
+        </p:spPr>
+        <p:txBody>
+          <a:bodyPr wrap="none" rtlCol="0">
+            <a:spAutoFit/>
+          </a:bodyPr>
+          <a:lstStyle/>
+          <a:p>
+            <a:r>
+              <a:rPr lang="da-DK" dirty="0"/>
+              <a:t>*</a:t>
+            </a:r>
+            <a:endParaRPr lang="en-US" dirty="0"/>
+          </a:p>
+        </p:txBody>
+      </p:sp>
+      <p:sp>
+        <p:nvSpPr>
+          <p:cNvPr id="9" name="TextBox 8">
+            <a:extLst>
+              <a:ext uri="{FF2B5EF4-FFF2-40B4-BE49-F238E27FC236}">
+                <a16:creationId xmlns:a16="http://schemas.microsoft.com/office/drawing/2014/main" id="{2DB35ED5-41F6-3C69-D86D-EA9C5B800145}"/>
+              </a:ext>
+            </a:extLst>
+          </p:cNvPr>
+          <p:cNvSpPr txBox="1"/>
+          <p:nvPr/>
+        </p:nvSpPr>
+        <p:spPr>
+          <a:xfrm>
+            <a:off x="4028902" y="2067697"/>
+            <a:ext cx="300082" cy="369332"/>
+          </a:xfrm>
+          <a:prstGeom prst="rect">
+            <a:avLst/>
+          </a:prstGeom>
+          <a:noFill/>
+        </p:spPr>
+        <p:txBody>
+          <a:bodyPr wrap="none" rtlCol="0">
+            <a:spAutoFit/>
+          </a:bodyPr>
+          <a:lstStyle/>
+          <a:p>
+            <a:r>
+              <a:rPr lang="da-DK" dirty="0"/>
+              <a:t>*</a:t>
+            </a:r>
+            <a:endParaRPr lang="en-US" dirty="0"/>
+          </a:p>
+        </p:txBody>
+      </p:sp>
+      <p:sp>
+        <p:nvSpPr>
+          <p:cNvPr id="10" name="Rectangle 9">
+            <a:extLst>
+              <a:ext uri="{FF2B5EF4-FFF2-40B4-BE49-F238E27FC236}">
+                <a16:creationId xmlns:a16="http://schemas.microsoft.com/office/drawing/2014/main" id="{07FB3BD2-4532-0F76-61EC-EDD3A1286D98}"/>
+              </a:ext>
+            </a:extLst>
+          </p:cNvPr>
+          <p:cNvSpPr/>
+          <p:nvPr/>
+        </p:nvSpPr>
+        <p:spPr>
+          <a:xfrm>
+            <a:off x="1161535" y="3793524"/>
+            <a:ext cx="2001795" cy="823784"/>
+          </a:xfrm>
+          <a:prstGeom prst="rect">
+            <a:avLst/>
+          </a:prstGeom>
+        </p:spPr>
+        <p:style>
+          <a:lnRef idx="2">
+            <a:schemeClr val="dk1"/>
+          </a:lnRef>
+          <a:fillRef idx="1">
+            <a:schemeClr val="lt1"/>
+          </a:fillRef>
+          <a:effectRef idx="0">
+            <a:schemeClr val="dk1"/>
+          </a:effectRef>
+          <a:fontRef idx="minor">
+            <a:schemeClr val="dk1"/>
+          </a:fontRef>
+        </p:style>
+        <p:txBody>
+          <a:bodyPr rtlCol="0" anchor="ctr"/>
+          <a:lstStyle/>
+          <a:p>
+            <a:pPr algn="ctr"/>
+            <a:r>
+              <a:rPr lang="da-DK" dirty="0"/>
+              <a:t>person</a:t>
+            </a:r>
+            <a:endParaRPr lang="en-US" dirty="0"/>
+          </a:p>
+        </p:txBody>
+      </p:sp>
+      <p:sp>
+        <p:nvSpPr>
+          <p:cNvPr id="11" name="Rectangle 10">
+            <a:extLst>
+              <a:ext uri="{FF2B5EF4-FFF2-40B4-BE49-F238E27FC236}">
+                <a16:creationId xmlns:a16="http://schemas.microsoft.com/office/drawing/2014/main" id="{452CC1EF-1553-3639-CDE0-05BCED4FE1BF}"/>
+              </a:ext>
+            </a:extLst>
+          </p:cNvPr>
+          <p:cNvSpPr/>
+          <p:nvPr/>
+        </p:nvSpPr>
+        <p:spPr>
+          <a:xfrm>
+            <a:off x="9368481" y="3793524"/>
+            <a:ext cx="2001795" cy="823784"/>
+          </a:xfrm>
+          <a:prstGeom prst="rect">
+            <a:avLst/>
+          </a:prstGeom>
+        </p:spPr>
+        <p:style>
+          <a:lnRef idx="2">
+            <a:schemeClr val="dk1"/>
+          </a:lnRef>
+          <a:fillRef idx="1">
+            <a:schemeClr val="lt1"/>
+          </a:fillRef>
+          <a:effectRef idx="0">
+            <a:schemeClr val="dk1"/>
+          </a:effectRef>
+          <a:fontRef idx="minor">
+            <a:schemeClr val="dk1"/>
+          </a:fontRef>
+        </p:style>
+        <p:txBody>
+          <a:bodyPr rtlCol="0" anchor="ctr"/>
+          <a:lstStyle/>
+          <a:p>
+            <a:pPr algn="ctr"/>
+            <a:r>
+              <a:rPr lang="da-DK" dirty="0"/>
+              <a:t>car</a:t>
+            </a:r>
+            <a:endParaRPr lang="en-US" dirty="0"/>
+          </a:p>
+        </p:txBody>
+      </p:sp>
+      <p:sp>
+        <p:nvSpPr>
+          <p:cNvPr id="13" name="TextBox 12">
+            <a:extLst>
+              <a:ext uri="{FF2B5EF4-FFF2-40B4-BE49-F238E27FC236}">
+                <a16:creationId xmlns:a16="http://schemas.microsoft.com/office/drawing/2014/main" id="{7432AF5D-40A6-84D3-BF01-B6692A1E6CB8}"/>
+              </a:ext>
+            </a:extLst>
+          </p:cNvPr>
+          <p:cNvSpPr txBox="1"/>
+          <p:nvPr/>
+        </p:nvSpPr>
+        <p:spPr>
+          <a:xfrm>
+            <a:off x="3163330" y="3933567"/>
+            <a:ext cx="300082" cy="369332"/>
+          </a:xfrm>
+          <a:prstGeom prst="rect">
+            <a:avLst/>
+          </a:prstGeom>
+          <a:noFill/>
+        </p:spPr>
+        <p:txBody>
+          <a:bodyPr wrap="none" rtlCol="0">
+            <a:spAutoFit/>
+          </a:bodyPr>
+          <a:lstStyle/>
+          <a:p>
+            <a:r>
+              <a:rPr lang="da-DK" dirty="0"/>
+              <a:t>1</a:t>
+            </a:r>
+            <a:endParaRPr lang="en-US" dirty="0"/>
+          </a:p>
+        </p:txBody>
+      </p:sp>
+      <p:sp>
+        <p:nvSpPr>
+          <p:cNvPr id="16" name="Rectangle 15">
+            <a:extLst>
+              <a:ext uri="{FF2B5EF4-FFF2-40B4-BE49-F238E27FC236}">
+                <a16:creationId xmlns:a16="http://schemas.microsoft.com/office/drawing/2014/main" id="{FB6C57D0-EA84-5E5E-D29E-CB81B4C44721}"/>
+              </a:ext>
+            </a:extLst>
+          </p:cNvPr>
+          <p:cNvSpPr/>
+          <p:nvPr/>
+        </p:nvSpPr>
+        <p:spPr>
+          <a:xfrm>
+            <a:off x="5114967" y="3814118"/>
+            <a:ext cx="2001795" cy="823784"/>
+          </a:xfrm>
+          <a:prstGeom prst="rect">
+            <a:avLst/>
+          </a:prstGeom>
+        </p:spPr>
+        <p:style>
+          <a:lnRef idx="2">
+            <a:schemeClr val="dk1"/>
+          </a:lnRef>
+          <a:fillRef idx="1">
+            <a:schemeClr val="lt1"/>
+          </a:fillRef>
+          <a:effectRef idx="0">
+            <a:schemeClr val="dk1"/>
+          </a:effectRef>
+          <a:fontRef idx="minor">
+            <a:schemeClr val="dk1"/>
+          </a:fontRef>
+        </p:style>
+        <p:txBody>
+          <a:bodyPr rtlCol="0" anchor="ctr"/>
+          <a:lstStyle/>
+          <a:p>
+            <a:pPr algn="ctr"/>
+            <a:r>
+              <a:rPr lang="da-DK" dirty="0" err="1"/>
+              <a:t>Ownership</a:t>
+            </a:r>
+            <a:endParaRPr lang="en-US" dirty="0"/>
+          </a:p>
+        </p:txBody>
+      </p:sp>
+      <p:cxnSp>
+        <p:nvCxnSpPr>
+          <p:cNvPr id="18" name="Straight Connector 17">
+            <a:extLst>
+              <a:ext uri="{FF2B5EF4-FFF2-40B4-BE49-F238E27FC236}">
+                <a16:creationId xmlns:a16="http://schemas.microsoft.com/office/drawing/2014/main" id="{394A716D-B312-45B4-E205-24069D079410}"/>
+              </a:ext>
+            </a:extLst>
+          </p:cNvPr>
+          <p:cNvCxnSpPr>
+            <a:stCxn id="10" idx="3"/>
+            <a:endCxn id="16" idx="1"/>
+          </p:cNvCxnSpPr>
+          <p:nvPr/>
+        </p:nvCxnSpPr>
+        <p:spPr>
+          <a:xfrm>
+            <a:off x="3163330" y="4205416"/>
+            <a:ext cx="1951637" cy="20594"/>
+          </a:xfrm>
+          <a:prstGeom prst="line">
+            <a:avLst/>
+          </a:prstGeom>
+        </p:spPr>
+        <p:style>
+          <a:lnRef idx="1">
+            <a:schemeClr val="accent1"/>
+          </a:lnRef>
+          <a:fillRef idx="0">
+            <a:schemeClr val="accent1"/>
+          </a:fillRef>
+          <a:effectRef idx="0">
+            <a:schemeClr val="accent1"/>
+          </a:effectRef>
+          <a:fontRef idx="minor">
+            <a:schemeClr val="tx1"/>
+          </a:fontRef>
+        </p:style>
+      </p:cxnSp>
+      <p:cxnSp>
+        <p:nvCxnSpPr>
+          <p:cNvPr id="20" name="Straight Connector 19">
+            <a:extLst>
+              <a:ext uri="{FF2B5EF4-FFF2-40B4-BE49-F238E27FC236}">
+                <a16:creationId xmlns:a16="http://schemas.microsoft.com/office/drawing/2014/main" id="{DCB19B4F-EE80-DD8E-0B5F-FA3DCE2D1B37}"/>
+              </a:ext>
+            </a:extLst>
+          </p:cNvPr>
+          <p:cNvCxnSpPr>
+            <a:stCxn id="16" idx="3"/>
+            <a:endCxn id="11" idx="1"/>
+          </p:cNvCxnSpPr>
+          <p:nvPr/>
+        </p:nvCxnSpPr>
+        <p:spPr>
+          <a:xfrm flipV="1">
+            <a:off x="7116762" y="4205416"/>
+            <a:ext cx="2251719" cy="20594"/>
+          </a:xfrm>
+          <a:prstGeom prst="line">
+            <a:avLst/>
+          </a:prstGeom>
+        </p:spPr>
+        <p:style>
+          <a:lnRef idx="1">
+            <a:schemeClr val="accent1"/>
+          </a:lnRef>
+          <a:fillRef idx="0">
+            <a:schemeClr val="accent1"/>
+          </a:fillRef>
+          <a:effectRef idx="0">
+            <a:schemeClr val="accent1"/>
+          </a:effectRef>
+          <a:fontRef idx="minor">
+            <a:schemeClr val="tx1"/>
+          </a:fontRef>
+        </p:style>
+      </p:cxnSp>
+      <p:sp>
+        <p:nvSpPr>
+          <p:cNvPr id="21" name="TextBox 20">
+            <a:extLst>
+              <a:ext uri="{FF2B5EF4-FFF2-40B4-BE49-F238E27FC236}">
+                <a16:creationId xmlns:a16="http://schemas.microsoft.com/office/drawing/2014/main" id="{B9539CC6-4E1E-A9C3-587F-242738D23142}"/>
+              </a:ext>
+            </a:extLst>
+          </p:cNvPr>
+          <p:cNvSpPr txBox="1"/>
+          <p:nvPr/>
+        </p:nvSpPr>
+        <p:spPr>
+          <a:xfrm>
+            <a:off x="4768978" y="3856678"/>
+            <a:ext cx="301686" cy="369332"/>
+          </a:xfrm>
+          <a:prstGeom prst="rect">
+            <a:avLst/>
+          </a:prstGeom>
+          <a:noFill/>
+        </p:spPr>
+        <p:txBody>
+          <a:bodyPr wrap="none" rtlCol="0">
+            <a:spAutoFit/>
+          </a:bodyPr>
+          <a:lstStyle/>
+          <a:p>
+            <a:r>
+              <a:rPr lang="da-DK" dirty="0"/>
+              <a:t>*</a:t>
+            </a:r>
+            <a:endParaRPr lang="en-US" dirty="0"/>
+          </a:p>
+        </p:txBody>
+      </p:sp>
+      <p:sp>
+        <p:nvSpPr>
+          <p:cNvPr id="22" name="TextBox 21">
+            <a:extLst>
+              <a:ext uri="{FF2B5EF4-FFF2-40B4-BE49-F238E27FC236}">
+                <a16:creationId xmlns:a16="http://schemas.microsoft.com/office/drawing/2014/main" id="{18B3305A-324C-D468-073C-7608002928A5}"/>
+              </a:ext>
+            </a:extLst>
+          </p:cNvPr>
+          <p:cNvSpPr txBox="1"/>
+          <p:nvPr/>
+        </p:nvSpPr>
+        <p:spPr>
+          <a:xfrm>
+            <a:off x="7298724" y="3933567"/>
+            <a:ext cx="301686" cy="369332"/>
+          </a:xfrm>
+          <a:prstGeom prst="rect">
+            <a:avLst/>
+          </a:prstGeom>
+          <a:noFill/>
+        </p:spPr>
+        <p:txBody>
+          <a:bodyPr wrap="none" rtlCol="0">
+            <a:spAutoFit/>
+          </a:bodyPr>
+          <a:lstStyle/>
+          <a:p>
+            <a:r>
+              <a:rPr lang="da-DK" dirty="0"/>
+              <a:t>*</a:t>
+            </a:r>
+            <a:endParaRPr lang="en-US" dirty="0"/>
+          </a:p>
+        </p:txBody>
+      </p:sp>
+      <p:sp>
+        <p:nvSpPr>
+          <p:cNvPr id="23" name="TextBox 22">
+            <a:extLst>
+              <a:ext uri="{FF2B5EF4-FFF2-40B4-BE49-F238E27FC236}">
+                <a16:creationId xmlns:a16="http://schemas.microsoft.com/office/drawing/2014/main" id="{7D747266-B824-582B-0A96-80F5952FF3AC}"/>
+              </a:ext>
+            </a:extLst>
+          </p:cNvPr>
+          <p:cNvSpPr txBox="1"/>
+          <p:nvPr/>
+        </p:nvSpPr>
+        <p:spPr>
+          <a:xfrm>
+            <a:off x="9068399" y="3856678"/>
+            <a:ext cx="301686" cy="369332"/>
+          </a:xfrm>
+          <a:prstGeom prst="rect">
+            <a:avLst/>
+          </a:prstGeom>
+          <a:noFill/>
+        </p:spPr>
+        <p:txBody>
+          <a:bodyPr wrap="none" rtlCol="0">
+            <a:spAutoFit/>
+          </a:bodyPr>
+          <a:lstStyle/>
+          <a:p>
+            <a:r>
+              <a:rPr lang="da-DK" dirty="0"/>
+              <a:t>1</a:t>
+            </a:r>
+            <a:endParaRPr lang="en-US" dirty="0"/>
+          </a:p>
+        </p:txBody>
+      </p:sp>
+      <p:sp>
+        <p:nvSpPr>
+          <p:cNvPr id="24" name="TextBox 23">
+            <a:extLst>
+              <a:ext uri="{FF2B5EF4-FFF2-40B4-BE49-F238E27FC236}">
+                <a16:creationId xmlns:a16="http://schemas.microsoft.com/office/drawing/2014/main" id="{0A7467BF-41FD-60E5-04A0-03B36E0CC576}"/>
+              </a:ext>
+            </a:extLst>
+          </p:cNvPr>
+          <p:cNvSpPr txBox="1"/>
+          <p:nvPr/>
+        </p:nvSpPr>
+        <p:spPr>
+          <a:xfrm>
+            <a:off x="1161535" y="4983892"/>
+            <a:ext cx="301686" cy="923330"/>
+          </a:xfrm>
+          <a:prstGeom prst="rect">
+            <a:avLst/>
+          </a:prstGeom>
+          <a:noFill/>
+        </p:spPr>
+        <p:txBody>
+          <a:bodyPr wrap="none" rtlCol="0">
+            <a:spAutoFit/>
+          </a:bodyPr>
+          <a:lstStyle/>
+          <a:p>
+            <a:r>
+              <a:rPr lang="da-DK" dirty="0"/>
+              <a:t>1</a:t>
+            </a:r>
+          </a:p>
+          <a:p>
+            <a:r>
+              <a:rPr lang="da-DK" dirty="0"/>
+              <a:t>2</a:t>
+            </a:r>
+          </a:p>
+          <a:p>
+            <a:r>
+              <a:rPr lang="da-DK" dirty="0"/>
+              <a:t>3</a:t>
+            </a:r>
+            <a:endParaRPr lang="en-US" dirty="0"/>
+          </a:p>
+        </p:txBody>
+      </p:sp>
+      <p:sp>
+        <p:nvSpPr>
+          <p:cNvPr id="25" name="TextBox 24">
+            <a:extLst>
+              <a:ext uri="{FF2B5EF4-FFF2-40B4-BE49-F238E27FC236}">
+                <a16:creationId xmlns:a16="http://schemas.microsoft.com/office/drawing/2014/main" id="{707CB1CB-8225-3F2A-3277-202D3239ABB4}"/>
+              </a:ext>
+            </a:extLst>
+          </p:cNvPr>
+          <p:cNvSpPr txBox="1"/>
+          <p:nvPr/>
+        </p:nvSpPr>
+        <p:spPr>
+          <a:xfrm>
+            <a:off x="9564130" y="4934465"/>
+            <a:ext cx="317716" cy="923330"/>
+          </a:xfrm>
+          <a:prstGeom prst="rect">
+            <a:avLst/>
+          </a:prstGeom>
+          <a:noFill/>
+        </p:spPr>
+        <p:txBody>
+          <a:bodyPr wrap="none" rtlCol="0">
+            <a:spAutoFit/>
+          </a:bodyPr>
+          <a:lstStyle/>
+          <a:p>
+            <a:r>
+              <a:rPr lang="da-DK" dirty="0"/>
+              <a:t>A</a:t>
+            </a:r>
+          </a:p>
+          <a:p>
+            <a:r>
+              <a:rPr lang="da-DK" dirty="0"/>
+              <a:t>B</a:t>
+            </a:r>
+          </a:p>
+          <a:p>
+            <a:r>
+              <a:rPr lang="da-DK" dirty="0"/>
+              <a:t>C</a:t>
+            </a:r>
+            <a:endParaRPr lang="en-US" dirty="0"/>
+          </a:p>
+        </p:txBody>
+      </p:sp>
+      <p:sp>
+        <p:nvSpPr>
+          <p:cNvPr id="26" name="TextBox 25">
+            <a:extLst>
+              <a:ext uri="{FF2B5EF4-FFF2-40B4-BE49-F238E27FC236}">
+                <a16:creationId xmlns:a16="http://schemas.microsoft.com/office/drawing/2014/main" id="{1EECD736-1B15-F60A-655B-8E5CD4476DCF}"/>
+              </a:ext>
+            </a:extLst>
+          </p:cNvPr>
+          <p:cNvSpPr txBox="1"/>
+          <p:nvPr/>
+        </p:nvSpPr>
+        <p:spPr>
+          <a:xfrm>
+            <a:off x="5329881" y="4983892"/>
+            <a:ext cx="1016625" cy="646331"/>
+          </a:xfrm>
+          <a:prstGeom prst="rect">
+            <a:avLst/>
+          </a:prstGeom>
+          <a:noFill/>
+        </p:spPr>
+        <p:txBody>
+          <a:bodyPr wrap="none" rtlCol="0">
+            <a:spAutoFit/>
+          </a:bodyPr>
+          <a:lstStyle/>
+          <a:p>
+            <a:r>
+              <a:rPr lang="da-DK" dirty="0"/>
+              <a:t>1,2 &lt;-&gt; A</a:t>
+            </a:r>
+          </a:p>
+          <a:p>
+            <a:r>
+              <a:rPr lang="da-DK" dirty="0"/>
+              <a:t>3 &lt;-&gt; B,C</a:t>
+            </a:r>
+            <a:endParaRPr lang="en-US" dirty="0"/>
+          </a:p>
+        </p:txBody>
+      </p:sp>
+      <p:sp>
+        <p:nvSpPr>
+          <p:cNvPr id="27" name="Arrow: Down 26">
+            <a:extLst>
+              <a:ext uri="{FF2B5EF4-FFF2-40B4-BE49-F238E27FC236}">
+                <a16:creationId xmlns:a16="http://schemas.microsoft.com/office/drawing/2014/main" id="{72949C5E-2686-A1BE-4481-2032BA23630F}"/>
+              </a:ext>
+            </a:extLst>
+          </p:cNvPr>
+          <p:cNvSpPr/>
+          <p:nvPr/>
+        </p:nvSpPr>
+        <p:spPr>
+          <a:xfrm>
+            <a:off x="4555524" y="3064476"/>
+            <a:ext cx="1054444" cy="492081"/>
+          </a:xfrm>
+          <a:prstGeom prst="downArrow">
+            <a:avLst/>
+          </a:prstGeom>
+        </p:spPr>
+        <p:style>
+          <a:lnRef idx="2">
+            <a:schemeClr val="accent1">
+              <a:shade val="50000"/>
+            </a:schemeClr>
+          </a:lnRef>
+          <a:fillRef idx="1">
+            <a:schemeClr val="accent1"/>
+          </a:fillRef>
+          <a:effectRef idx="0">
+            <a:schemeClr val="accent1"/>
+          </a:effectRef>
+          <a:fontRef idx="minor">
+            <a:schemeClr val="lt1"/>
+          </a:fontRef>
+        </p:style>
+        <p:txBody>
+          <a:bodyPr rtlCol="0" anchor="ctr"/>
+          <a:lstStyle/>
+          <a:p>
+            <a:pPr algn="ctr"/>
+            <a:endParaRPr lang="en-US"/>
+          </a:p>
+        </p:txBody>
+      </p:sp>
+    </p:spTree>
+    <p:extLst>
+      <p:ext uri="{BB962C8B-B14F-4D97-AF65-F5344CB8AC3E}">
+        <p14:creationId xmlns:p14="http://schemas.microsoft.com/office/powerpoint/2010/main" val="1205315071"/>
+      </p:ext>
+    </p:extLst>
+  </p:cSld>
+  <p:clrMapOvr>
+    <a:masterClrMapping/>
+  </p:clrMapOvr>
+</p:sld>
+</file>
+
+<file path=ppt/slides/slide7.xml><?xml version="1.0" encoding="utf-8"?>
+<p:sld xmlns:a="http://schemas.openxmlformats.org/drawingml/2006/main" xmlns:r="http://schemas.openxmlformats.org/officeDocument/2006/relationships" xmlns:p="http://schemas.openxmlformats.org/presentationml/2006/main">
+  <p:cSld>
+    <p:spTree>
+      <p:nvGrpSpPr>
+        <p:cNvPr id="1" name=""/>
+        <p:cNvGrpSpPr/>
+        <p:nvPr/>
+      </p:nvGrpSpPr>
+      <p:grpSpPr>
+        <a:xfrm>
+          <a:off x="0" y="0"/>
+          <a:ext cx="0" cy="0"/>
+          <a:chOff x="0" y="0"/>
+          <a:chExt cx="0" cy="0"/>
+        </a:xfrm>
+      </p:grpSpPr>
+      <p:sp>
+        <p:nvSpPr>
+          <p:cNvPr id="2" name="Title 1">
+            <a:extLst>
+              <a:ext uri="{FF2B5EF4-FFF2-40B4-BE49-F238E27FC236}">
                 <a16:creationId xmlns:a16="http://schemas.microsoft.com/office/drawing/2014/main" id="{892DDEC3-340D-F6A7-9F9F-7B2EC5B05B6E}"/>
               </a:ext>
             </a:extLst>
@@ -13847,7 +15673,7 @@
 </p:sld>
 </file>
 
-<file path=ppt/slides/slide7.xml><?xml version="1.0" encoding="utf-8"?>
+<file path=ppt/slides/slide8.xml><?xml version="1.0" encoding="utf-8"?>
 <p:sld xmlns:a="http://schemas.openxmlformats.org/drawingml/2006/main" xmlns:r="http://schemas.openxmlformats.org/officeDocument/2006/relationships" xmlns:p="http://schemas.openxmlformats.org/presentationml/2006/main">
   <p:cSld>
     <p:spTree>
@@ -15094,7 +16920,7 @@
 </p:sld>
 </file>
 
-<file path=ppt/slides/slide8.xml><?xml version="1.0" encoding="utf-8"?>
+<file path=ppt/slides/slide9.xml><?xml version="1.0" encoding="utf-8"?>
 <p:sld xmlns:a="http://schemas.openxmlformats.org/drawingml/2006/main" xmlns:r="http://schemas.openxmlformats.org/officeDocument/2006/relationships" xmlns:p="http://schemas.openxmlformats.org/presentationml/2006/main">
   <p:cSld>
     <p:spTree>
@@ -15189,1007 +17015,6 @@
     <p:extLst>
       <p:ext uri="{BB962C8B-B14F-4D97-AF65-F5344CB8AC3E}">
         <p14:creationId xmlns:p14="http://schemas.microsoft.com/office/powerpoint/2010/main" val="1446786021"/>
-      </p:ext>
-    </p:extLst>
-  </p:cSld>
-  <p:clrMapOvr>
-    <a:masterClrMapping/>
-  </p:clrMapOvr>
-</p:sld>
-</file>
-
-<file path=ppt/slides/slide9.xml><?xml version="1.0" encoding="utf-8"?>
-<p:sld xmlns:a="http://schemas.openxmlformats.org/drawingml/2006/main" xmlns:r="http://schemas.openxmlformats.org/officeDocument/2006/relationships" xmlns:p="http://schemas.openxmlformats.org/presentationml/2006/main">
-  <p:cSld>
-    <p:spTree>
-      <p:nvGrpSpPr>
-        <p:cNvPr id="1" name=""/>
-        <p:cNvGrpSpPr/>
-        <p:nvPr/>
-      </p:nvGrpSpPr>
-      <p:grpSpPr>
-        <a:xfrm>
-          <a:off x="0" y="0"/>
-          <a:ext cx="0" cy="0"/>
-          <a:chOff x="0" y="0"/>
-          <a:chExt cx="0" cy="0"/>
-        </a:xfrm>
-      </p:grpSpPr>
-      <p:sp>
-        <p:nvSpPr>
-          <p:cNvPr id="2" name="Title 1">
-            <a:extLst>
-              <a:ext uri="{FF2B5EF4-FFF2-40B4-BE49-F238E27FC236}">
-                <a16:creationId xmlns:a16="http://schemas.microsoft.com/office/drawing/2014/main" id="{7D3610CA-8D7D-7E61-A2E1-8DBE946E4895}"/>
-              </a:ext>
-            </a:extLst>
-          </p:cNvPr>
-          <p:cNvSpPr>
-            <a:spLocks noGrp="1"/>
-          </p:cNvSpPr>
-          <p:nvPr>
-            <p:ph type="title"/>
-          </p:nvPr>
-        </p:nvSpPr>
-        <p:spPr/>
-        <p:txBody>
-          <a:bodyPr/>
-          <a:lstStyle/>
-          <a:p>
-            <a:r>
-              <a:rPr lang="da-DK" b="1" dirty="0" err="1"/>
-              <a:t>What</a:t>
-            </a:r>
-            <a:r>
-              <a:rPr lang="da-DK" b="1" dirty="0"/>
-              <a:t> </a:t>
-            </a:r>
-            <a:r>
-              <a:rPr lang="da-DK" b="1" dirty="0" err="1"/>
-              <a:t>if</a:t>
-            </a:r>
-            <a:r>
-              <a:rPr lang="da-DK" dirty="0"/>
-              <a:t> I </a:t>
-            </a:r>
-            <a:r>
-              <a:rPr lang="da-DK" dirty="0" err="1"/>
-              <a:t>want</a:t>
-            </a:r>
-            <a:r>
-              <a:rPr lang="da-DK" dirty="0"/>
-              <a:t> to </a:t>
-            </a:r>
-            <a:r>
-              <a:rPr lang="da-DK" dirty="0" err="1"/>
-              <a:t>express</a:t>
-            </a:r>
-            <a:r>
-              <a:rPr lang="da-DK" dirty="0"/>
-              <a:t>…</a:t>
-            </a:r>
-            <a:endParaRPr lang="en-US" dirty="0"/>
-          </a:p>
-        </p:txBody>
-      </p:sp>
-      <p:sp>
-        <p:nvSpPr>
-          <p:cNvPr id="3" name="Content Placeholder 2">
-            <a:extLst>
-              <a:ext uri="{FF2B5EF4-FFF2-40B4-BE49-F238E27FC236}">
-                <a16:creationId xmlns:a16="http://schemas.microsoft.com/office/drawing/2014/main" id="{A1543489-B9D9-3A4C-9405-829047F5771C}"/>
-              </a:ext>
-            </a:extLst>
-          </p:cNvPr>
-          <p:cNvSpPr>
-            <a:spLocks noGrp="1"/>
-          </p:cNvSpPr>
-          <p:nvPr>
-            <p:ph idx="1"/>
-          </p:nvPr>
-        </p:nvSpPr>
-        <p:spPr>
-          <a:xfrm>
-            <a:off x="838200" y="3287925"/>
-            <a:ext cx="10515600" cy="2889038"/>
-          </a:xfrm>
-        </p:spPr>
-        <p:txBody>
-          <a:bodyPr>
-            <a:normAutofit/>
-          </a:bodyPr>
-          <a:lstStyle/>
-          <a:p>
-            <a:pPr marL="514350" indent="-514350">
-              <a:buFont typeface="+mj-lt"/>
-              <a:buAutoNum type="arabicPeriod"/>
-            </a:pPr>
-            <a:r>
-              <a:rPr lang="da-DK" dirty="0" err="1"/>
-              <a:t>Consider</a:t>
-            </a:r>
-            <a:r>
-              <a:rPr lang="da-DK" dirty="0"/>
-              <a:t> </a:t>
-            </a:r>
-            <a:r>
-              <a:rPr lang="da-DK" dirty="0" err="1"/>
-              <a:t>this</a:t>
-            </a:r>
-            <a:r>
-              <a:rPr lang="da-DK" dirty="0"/>
-              <a:t> diagram. How </a:t>
-            </a:r>
-            <a:r>
-              <a:rPr lang="da-DK" dirty="0" err="1"/>
-              <a:t>can</a:t>
-            </a:r>
-            <a:r>
-              <a:rPr lang="da-DK" dirty="0"/>
-              <a:t> </a:t>
-            </a:r>
-            <a:r>
-              <a:rPr lang="da-DK" dirty="0" err="1"/>
-              <a:t>we</a:t>
-            </a:r>
-            <a:r>
-              <a:rPr lang="da-DK" dirty="0"/>
-              <a:t> </a:t>
-            </a:r>
-            <a:r>
-              <a:rPr lang="da-DK" dirty="0" err="1"/>
-              <a:t>change</a:t>
-            </a:r>
-            <a:r>
-              <a:rPr lang="da-DK" dirty="0"/>
-              <a:t> it</a:t>
-            </a:r>
-            <a:r>
-              <a:rPr lang="en-US" dirty="0"/>
-              <a:t> so that it </a:t>
-            </a:r>
-            <a:r>
-              <a:rPr lang="en-US" b="1" dirty="0"/>
-              <a:t>allows a person to have any animal</a:t>
-            </a:r>
-            <a:r>
-              <a:rPr lang="en-US" dirty="0"/>
-              <a:t> as a pet?</a:t>
-            </a:r>
-          </a:p>
-          <a:p>
-            <a:pPr marL="514350" indent="-514350">
-              <a:buFont typeface="+mj-lt"/>
-              <a:buAutoNum type="arabicPeriod"/>
-            </a:pPr>
-            <a:endParaRPr lang="en-US" dirty="0"/>
-          </a:p>
-          <a:p>
-            <a:pPr marL="514350" indent="-514350">
-              <a:buFont typeface="+mj-lt"/>
-              <a:buAutoNum type="arabicPeriod"/>
-            </a:pPr>
-            <a:r>
-              <a:rPr lang="en-US" dirty="0"/>
-              <a:t>OK, but now I want to the diagram to say that </a:t>
-            </a:r>
-            <a:r>
-              <a:rPr lang="en-US" b="1" dirty="0"/>
-              <a:t>only Cats and Dogs can be pets</a:t>
-            </a:r>
-            <a:r>
-              <a:rPr lang="en-US" dirty="0"/>
-              <a:t>, not Tigers. Can you do that? If so, how?</a:t>
-            </a:r>
-            <a:endParaRPr lang="da-DK" dirty="0"/>
-          </a:p>
-        </p:txBody>
-      </p:sp>
-      <p:grpSp>
-        <p:nvGrpSpPr>
-          <p:cNvPr id="15" name="Group 14">
-            <a:extLst>
-              <a:ext uri="{FF2B5EF4-FFF2-40B4-BE49-F238E27FC236}">
-                <a16:creationId xmlns:a16="http://schemas.microsoft.com/office/drawing/2014/main" id="{3B508EF4-D428-5AFE-15AC-E4E5934AE040}"/>
-              </a:ext>
-            </a:extLst>
-          </p:cNvPr>
-          <p:cNvGrpSpPr/>
-          <p:nvPr/>
-        </p:nvGrpSpPr>
-        <p:grpSpPr>
-          <a:xfrm>
-            <a:off x="2521792" y="1526142"/>
-            <a:ext cx="6664540" cy="1359772"/>
-            <a:chOff x="4917859" y="1213495"/>
-            <a:chExt cx="6664540" cy="1359772"/>
-          </a:xfrm>
-        </p:grpSpPr>
-        <p:cxnSp>
-          <p:nvCxnSpPr>
-            <p:cNvPr id="18" name="Straight Connector 17">
-              <a:extLst>
-                <a:ext uri="{FF2B5EF4-FFF2-40B4-BE49-F238E27FC236}">
-                  <a16:creationId xmlns:a16="http://schemas.microsoft.com/office/drawing/2014/main" id="{DF5A893B-3330-7091-1B66-583F7758D15D}"/>
-                </a:ext>
-              </a:extLst>
-            </p:cNvPr>
-            <p:cNvCxnSpPr>
-              <a:cxnSpLocks/>
-              <a:endCxn id="21" idx="2"/>
-            </p:cNvCxnSpPr>
-            <p:nvPr/>
-          </p:nvCxnSpPr>
-          <p:spPr>
-            <a:xfrm flipV="1">
-              <a:off x="6911539" y="1650100"/>
-              <a:ext cx="0" cy="398574"/>
-            </a:xfrm>
-            <a:prstGeom prst="line">
-              <a:avLst/>
-            </a:prstGeom>
-            <a:ln>
-              <a:solidFill>
-                <a:schemeClr val="tx1"/>
-              </a:solidFill>
-            </a:ln>
-          </p:spPr>
-          <p:style>
-            <a:lnRef idx="3">
-              <a:schemeClr val="dk1"/>
-            </a:lnRef>
-            <a:fillRef idx="0">
-              <a:schemeClr val="dk1"/>
-            </a:fillRef>
-            <a:effectRef idx="2">
-              <a:schemeClr val="dk1"/>
-            </a:effectRef>
-            <a:fontRef idx="minor">
-              <a:schemeClr val="tx1"/>
-            </a:fontRef>
-          </p:style>
-        </p:cxnSp>
-        <p:sp>
-          <p:nvSpPr>
-            <p:cNvPr id="19" name="Rectangle 18">
-              <a:extLst>
-                <a:ext uri="{FF2B5EF4-FFF2-40B4-BE49-F238E27FC236}">
-                  <a16:creationId xmlns:a16="http://schemas.microsoft.com/office/drawing/2014/main" id="{361B00C3-6FB5-D176-B984-6E0ECCDC5B87}"/>
-                </a:ext>
-              </a:extLst>
-            </p:cNvPr>
-            <p:cNvSpPr/>
-            <p:nvPr/>
-          </p:nvSpPr>
-          <p:spPr>
-            <a:xfrm>
-              <a:off x="9877168" y="2048674"/>
-              <a:ext cx="1243914" cy="436605"/>
-            </a:xfrm>
-            <a:prstGeom prst="rect">
-              <a:avLst/>
-            </a:prstGeom>
-          </p:spPr>
-          <p:style>
-            <a:lnRef idx="2">
-              <a:schemeClr val="dk1"/>
-            </a:lnRef>
-            <a:fillRef idx="1">
-              <a:schemeClr val="lt1"/>
-            </a:fillRef>
-            <a:effectRef idx="0">
-              <a:schemeClr val="dk1"/>
-            </a:effectRef>
-            <a:fontRef idx="minor">
-              <a:schemeClr val="dk1"/>
-            </a:fontRef>
-          </p:style>
-          <p:txBody>
-            <a:bodyPr rtlCol="0" anchor="ctr"/>
-            <a:lstStyle/>
-            <a:p>
-              <a:pPr algn="ctr"/>
-              <a:r>
-                <a:rPr lang="da-DK" dirty="0"/>
-                <a:t>Person</a:t>
-              </a:r>
-              <a:endParaRPr lang="en-US" dirty="0"/>
-            </a:p>
-          </p:txBody>
-        </p:sp>
-        <p:sp>
-          <p:nvSpPr>
-            <p:cNvPr id="20" name="Rectangle 19">
-              <a:extLst>
-                <a:ext uri="{FF2B5EF4-FFF2-40B4-BE49-F238E27FC236}">
-                  <a16:creationId xmlns:a16="http://schemas.microsoft.com/office/drawing/2014/main" id="{F3A8B4F8-8C75-46C6-18B3-67288275D619}"/>
-                </a:ext>
-              </a:extLst>
-            </p:cNvPr>
-            <p:cNvSpPr/>
-            <p:nvPr/>
-          </p:nvSpPr>
-          <p:spPr>
-            <a:xfrm>
-              <a:off x="7657070" y="2048674"/>
-              <a:ext cx="1243914" cy="436605"/>
-            </a:xfrm>
-            <a:prstGeom prst="rect">
-              <a:avLst/>
-            </a:prstGeom>
-            <a:ln>
-              <a:solidFill>
-                <a:schemeClr val="tx1"/>
-              </a:solidFill>
-            </a:ln>
-          </p:spPr>
-          <p:style>
-            <a:lnRef idx="2">
-              <a:schemeClr val="dk1"/>
-            </a:lnRef>
-            <a:fillRef idx="1">
-              <a:schemeClr val="lt1"/>
-            </a:fillRef>
-            <a:effectRef idx="0">
-              <a:schemeClr val="dk1"/>
-            </a:effectRef>
-            <a:fontRef idx="minor">
-              <a:schemeClr val="dk1"/>
-            </a:fontRef>
-          </p:style>
-          <p:txBody>
-            <a:bodyPr rtlCol="0" anchor="ctr"/>
-            <a:lstStyle/>
-            <a:p>
-              <a:pPr algn="ctr"/>
-              <a:r>
-                <a:rPr lang="da-DK" dirty="0">
-                  <a:solidFill>
-                    <a:schemeClr val="tx1"/>
-                  </a:solidFill>
-                </a:rPr>
-                <a:t>Dog</a:t>
-              </a:r>
-              <a:endParaRPr lang="en-US" dirty="0">
-                <a:solidFill>
-                  <a:schemeClr val="tx1"/>
-                </a:solidFill>
-              </a:endParaRPr>
-            </a:p>
-          </p:txBody>
-        </p:sp>
-        <p:sp>
-          <p:nvSpPr>
-            <p:cNvPr id="21" name="Rectangle 20">
-              <a:extLst>
-                <a:ext uri="{FF2B5EF4-FFF2-40B4-BE49-F238E27FC236}">
-                  <a16:creationId xmlns:a16="http://schemas.microsoft.com/office/drawing/2014/main" id="{DDF5C9E4-D92F-8406-7CA3-41E91C9D2F7D}"/>
-                </a:ext>
-              </a:extLst>
-            </p:cNvPr>
-            <p:cNvSpPr/>
-            <p:nvPr/>
-          </p:nvSpPr>
-          <p:spPr>
-            <a:xfrm>
-              <a:off x="6289582" y="1213495"/>
-              <a:ext cx="1243914" cy="436605"/>
-            </a:xfrm>
-            <a:prstGeom prst="rect">
-              <a:avLst/>
-            </a:prstGeom>
-            <a:ln>
-              <a:solidFill>
-                <a:schemeClr val="tx1"/>
-              </a:solidFill>
-            </a:ln>
-          </p:spPr>
-          <p:style>
-            <a:lnRef idx="2">
-              <a:schemeClr val="dk1"/>
-            </a:lnRef>
-            <a:fillRef idx="1">
-              <a:schemeClr val="lt1"/>
-            </a:fillRef>
-            <a:effectRef idx="0">
-              <a:schemeClr val="dk1"/>
-            </a:effectRef>
-            <a:fontRef idx="minor">
-              <a:schemeClr val="dk1"/>
-            </a:fontRef>
-          </p:style>
-          <p:txBody>
-            <a:bodyPr rtlCol="0" anchor="ctr"/>
-            <a:lstStyle/>
-            <a:p>
-              <a:pPr algn="ctr"/>
-              <a:r>
-                <a:rPr lang="da-DK" dirty="0">
-                  <a:solidFill>
-                    <a:schemeClr val="tx1"/>
-                  </a:solidFill>
-                </a:rPr>
-                <a:t>Animal</a:t>
-              </a:r>
-              <a:endParaRPr lang="en-US" dirty="0">
-                <a:solidFill>
-                  <a:schemeClr val="tx1"/>
-                </a:solidFill>
-              </a:endParaRPr>
-            </a:p>
-          </p:txBody>
-        </p:sp>
-        <p:sp>
-          <p:nvSpPr>
-            <p:cNvPr id="22" name="Flowchart: Extract 21">
-              <a:extLst>
-                <a:ext uri="{FF2B5EF4-FFF2-40B4-BE49-F238E27FC236}">
-                  <a16:creationId xmlns:a16="http://schemas.microsoft.com/office/drawing/2014/main" id="{1786A955-2050-FAD0-C6A8-A3D06285D838}"/>
-                </a:ext>
-              </a:extLst>
-            </p:cNvPr>
-            <p:cNvSpPr/>
-            <p:nvPr/>
-          </p:nvSpPr>
-          <p:spPr>
-            <a:xfrm>
-              <a:off x="6820925" y="1731883"/>
-              <a:ext cx="181232" cy="181233"/>
-            </a:xfrm>
-            <a:prstGeom prst="flowChartExtract">
-              <a:avLst/>
-            </a:prstGeom>
-            <a:ln>
-              <a:solidFill>
-                <a:schemeClr val="tx1"/>
-              </a:solidFill>
-            </a:ln>
-          </p:spPr>
-          <p:style>
-            <a:lnRef idx="2">
-              <a:schemeClr val="dk1"/>
-            </a:lnRef>
-            <a:fillRef idx="1">
-              <a:schemeClr val="lt1"/>
-            </a:fillRef>
-            <a:effectRef idx="0">
-              <a:schemeClr val="dk1"/>
-            </a:effectRef>
-            <a:fontRef idx="minor">
-              <a:schemeClr val="dk1"/>
-            </a:fontRef>
-          </p:style>
-          <p:txBody>
-            <a:bodyPr rtlCol="0" anchor="ctr"/>
-            <a:lstStyle/>
-            <a:p>
-              <a:pPr algn="ctr"/>
-              <a:endParaRPr lang="en-US">
-                <a:solidFill>
-                  <a:schemeClr val="tx1"/>
-                </a:solidFill>
-              </a:endParaRPr>
-            </a:p>
-          </p:txBody>
-        </p:sp>
-        <p:cxnSp>
-          <p:nvCxnSpPr>
-            <p:cNvPr id="23" name="Straight Arrow Connector 22">
-              <a:extLst>
-                <a:ext uri="{FF2B5EF4-FFF2-40B4-BE49-F238E27FC236}">
-                  <a16:creationId xmlns:a16="http://schemas.microsoft.com/office/drawing/2014/main" id="{6841F705-1EBE-ED6C-8C08-6EC1EB9A4310}"/>
-                </a:ext>
-              </a:extLst>
-            </p:cNvPr>
-            <p:cNvCxnSpPr>
-              <a:stCxn id="19" idx="1"/>
-              <a:endCxn id="20" idx="3"/>
-            </p:cNvCxnSpPr>
-            <p:nvPr/>
-          </p:nvCxnSpPr>
-          <p:spPr>
-            <a:xfrm flipH="1">
-              <a:off x="8900984" y="2266977"/>
-              <a:ext cx="976184" cy="0"/>
-            </a:xfrm>
-            <a:prstGeom prst="straightConnector1">
-              <a:avLst/>
-            </a:prstGeom>
-            <a:ln>
-              <a:solidFill>
-                <a:schemeClr val="tx1"/>
-              </a:solidFill>
-              <a:tailEnd type="triangle"/>
-            </a:ln>
-          </p:spPr>
-          <p:style>
-            <a:lnRef idx="3">
-              <a:schemeClr val="dk1"/>
-            </a:lnRef>
-            <a:fillRef idx="0">
-              <a:schemeClr val="dk1"/>
-            </a:fillRef>
-            <a:effectRef idx="2">
-              <a:schemeClr val="dk1"/>
-            </a:effectRef>
-            <a:fontRef idx="minor">
-              <a:schemeClr val="tx1"/>
-            </a:fontRef>
-          </p:style>
-        </p:cxnSp>
-        <p:sp>
-          <p:nvSpPr>
-            <p:cNvPr id="24" name="TextBox 23">
-              <a:extLst>
-                <a:ext uri="{FF2B5EF4-FFF2-40B4-BE49-F238E27FC236}">
-                  <a16:creationId xmlns:a16="http://schemas.microsoft.com/office/drawing/2014/main" id="{FDBD3BB4-3D21-E3F7-5BAC-11074B4685B2}"/>
-                </a:ext>
-              </a:extLst>
-            </p:cNvPr>
-            <p:cNvSpPr txBox="1"/>
-            <p:nvPr/>
-          </p:nvSpPr>
-          <p:spPr>
-            <a:xfrm>
-              <a:off x="9638269" y="1911631"/>
-              <a:ext cx="276038" cy="307777"/>
-            </a:xfrm>
-            <a:prstGeom prst="rect">
-              <a:avLst/>
-            </a:prstGeom>
-            <a:noFill/>
-            <a:ln>
-              <a:noFill/>
-            </a:ln>
-          </p:spPr>
-          <p:txBody>
-            <a:bodyPr wrap="none" rtlCol="0">
-              <a:spAutoFit/>
-            </a:bodyPr>
-            <a:lstStyle/>
-            <a:p>
-              <a:r>
-                <a:rPr lang="da-DK" sz="1400" dirty="0"/>
-                <a:t>1</a:t>
-              </a:r>
-              <a:endParaRPr lang="en-US" sz="1400" dirty="0"/>
-            </a:p>
-          </p:txBody>
-        </p:sp>
-        <p:sp>
-          <p:nvSpPr>
-            <p:cNvPr id="25" name="TextBox 24">
-              <a:extLst>
-                <a:ext uri="{FF2B5EF4-FFF2-40B4-BE49-F238E27FC236}">
-                  <a16:creationId xmlns:a16="http://schemas.microsoft.com/office/drawing/2014/main" id="{692808F5-1B9F-EC9B-57D9-892540723086}"/>
-                </a:ext>
-              </a:extLst>
-            </p:cNvPr>
-            <p:cNvSpPr txBox="1"/>
-            <p:nvPr/>
-          </p:nvSpPr>
-          <p:spPr>
-            <a:xfrm>
-              <a:off x="8881946" y="1915666"/>
-              <a:ext cx="457176" cy="307777"/>
-            </a:xfrm>
-            <a:prstGeom prst="rect">
-              <a:avLst/>
-            </a:prstGeom>
-            <a:noFill/>
-            <a:ln>
-              <a:noFill/>
-            </a:ln>
-          </p:spPr>
-          <p:txBody>
-            <a:bodyPr wrap="none" rtlCol="0">
-              <a:spAutoFit/>
-            </a:bodyPr>
-            <a:lstStyle/>
-            <a:p>
-              <a:r>
-                <a:rPr lang="da-DK" sz="1400" dirty="0"/>
-                <a:t>0..1</a:t>
-              </a:r>
-              <a:endParaRPr lang="en-US" sz="1400" dirty="0"/>
-            </a:p>
-          </p:txBody>
-        </p:sp>
-        <p:cxnSp>
-          <p:nvCxnSpPr>
-            <p:cNvPr id="26" name="Connector: Elbow 25">
-              <a:extLst>
-                <a:ext uri="{FF2B5EF4-FFF2-40B4-BE49-F238E27FC236}">
-                  <a16:creationId xmlns:a16="http://schemas.microsoft.com/office/drawing/2014/main" id="{BD3CEE82-2A92-780F-DFD9-8E7105B1F1AA}"/>
-                </a:ext>
-              </a:extLst>
-            </p:cNvPr>
-            <p:cNvCxnSpPr>
-              <a:stCxn id="19" idx="0"/>
-              <a:endCxn id="19" idx="3"/>
-            </p:cNvCxnSpPr>
-            <p:nvPr/>
-          </p:nvCxnSpPr>
-          <p:spPr>
-            <a:xfrm rot="16200000" flipH="1">
-              <a:off x="10700951" y="1846847"/>
-              <a:ext cx="218303" cy="621957"/>
-            </a:xfrm>
-            <a:prstGeom prst="bentConnector4">
-              <a:avLst>
-                <a:gd name="adj1" fmla="val -176415"/>
-                <a:gd name="adj2" fmla="val 164570"/>
-              </a:avLst>
-            </a:prstGeom>
-            <a:ln>
-              <a:tailEnd type="triangle"/>
-            </a:ln>
-          </p:spPr>
-          <p:style>
-            <a:lnRef idx="3">
-              <a:schemeClr val="dk1"/>
-            </a:lnRef>
-            <a:fillRef idx="0">
-              <a:schemeClr val="dk1"/>
-            </a:fillRef>
-            <a:effectRef idx="2">
-              <a:schemeClr val="dk1"/>
-            </a:effectRef>
-            <a:fontRef idx="minor">
-              <a:schemeClr val="tx1"/>
-            </a:fontRef>
-          </p:style>
-        </p:cxnSp>
-        <p:sp>
-          <p:nvSpPr>
-            <p:cNvPr id="27" name="TextBox 26">
-              <a:extLst>
-                <a:ext uri="{FF2B5EF4-FFF2-40B4-BE49-F238E27FC236}">
-                  <a16:creationId xmlns:a16="http://schemas.microsoft.com/office/drawing/2014/main" id="{47B75DA6-DFBC-64BC-FECD-633C7AED623B}"/>
-                </a:ext>
-              </a:extLst>
-            </p:cNvPr>
-            <p:cNvSpPr txBox="1"/>
-            <p:nvPr/>
-          </p:nvSpPr>
-          <p:spPr>
-            <a:xfrm>
-              <a:off x="10725664" y="1377656"/>
-              <a:ext cx="622286" cy="307777"/>
-            </a:xfrm>
-            <a:prstGeom prst="rect">
-              <a:avLst/>
-            </a:prstGeom>
-            <a:noFill/>
-          </p:spPr>
-          <p:txBody>
-            <a:bodyPr wrap="none" rtlCol="0">
-              <a:spAutoFit/>
-            </a:bodyPr>
-            <a:lstStyle/>
-            <a:p>
-              <a:r>
-                <a:rPr lang="da-DK" sz="1400" dirty="0"/>
-                <a:t>friend</a:t>
-              </a:r>
-              <a:endParaRPr lang="en-US" sz="1600" dirty="0"/>
-            </a:p>
-          </p:txBody>
-        </p:sp>
-        <p:sp>
-          <p:nvSpPr>
-            <p:cNvPr id="28" name="TextBox 27">
-              <a:extLst>
-                <a:ext uri="{FF2B5EF4-FFF2-40B4-BE49-F238E27FC236}">
-                  <a16:creationId xmlns:a16="http://schemas.microsoft.com/office/drawing/2014/main" id="{C3654BF1-2A90-7902-398F-7B0936B97672}"/>
-                </a:ext>
-              </a:extLst>
-            </p:cNvPr>
-            <p:cNvSpPr txBox="1"/>
-            <p:nvPr/>
-          </p:nvSpPr>
-          <p:spPr>
-            <a:xfrm>
-              <a:off x="10260225" y="1759231"/>
-              <a:ext cx="267731" cy="307777"/>
-            </a:xfrm>
-            <a:prstGeom prst="rect">
-              <a:avLst/>
-            </a:prstGeom>
-            <a:noFill/>
-          </p:spPr>
-          <p:txBody>
-            <a:bodyPr wrap="square" rtlCol="0">
-              <a:spAutoFit/>
-            </a:bodyPr>
-            <a:lstStyle/>
-            <a:p>
-              <a:r>
-                <a:rPr lang="da-DK" sz="1400" dirty="0"/>
-                <a:t>1</a:t>
-              </a:r>
-              <a:endParaRPr lang="en-US" sz="1400" dirty="0"/>
-            </a:p>
-          </p:txBody>
-        </p:sp>
-        <p:sp>
-          <p:nvSpPr>
-            <p:cNvPr id="29" name="TextBox 28">
-              <a:extLst>
-                <a:ext uri="{FF2B5EF4-FFF2-40B4-BE49-F238E27FC236}">
-                  <a16:creationId xmlns:a16="http://schemas.microsoft.com/office/drawing/2014/main" id="{2B5ECC45-9194-612D-5756-5C4336DB0223}"/>
-                </a:ext>
-              </a:extLst>
-            </p:cNvPr>
-            <p:cNvSpPr txBox="1"/>
-            <p:nvPr/>
-          </p:nvSpPr>
-          <p:spPr>
-            <a:xfrm>
-              <a:off x="11113100" y="2265490"/>
-              <a:ext cx="469299" cy="307777"/>
-            </a:xfrm>
-            <a:prstGeom prst="rect">
-              <a:avLst/>
-            </a:prstGeom>
-            <a:noFill/>
-          </p:spPr>
-          <p:txBody>
-            <a:bodyPr wrap="square" rtlCol="0">
-              <a:spAutoFit/>
-            </a:bodyPr>
-            <a:lstStyle/>
-            <a:p>
-              <a:r>
-                <a:rPr lang="da-DK" sz="1400" dirty="0"/>
-                <a:t>0..n</a:t>
-              </a:r>
-              <a:endParaRPr lang="en-US" sz="1400" dirty="0"/>
-            </a:p>
-          </p:txBody>
-        </p:sp>
-        <p:sp>
-          <p:nvSpPr>
-            <p:cNvPr id="4" name="Rectangle 3">
-              <a:extLst>
-                <a:ext uri="{FF2B5EF4-FFF2-40B4-BE49-F238E27FC236}">
-                  <a16:creationId xmlns:a16="http://schemas.microsoft.com/office/drawing/2014/main" id="{77BF3B06-BD61-173A-8D99-96B8EC864658}"/>
-                </a:ext>
-              </a:extLst>
-            </p:cNvPr>
-            <p:cNvSpPr/>
-            <p:nvPr/>
-          </p:nvSpPr>
-          <p:spPr>
-            <a:xfrm>
-              <a:off x="6293707" y="2047187"/>
-              <a:ext cx="1243914" cy="436605"/>
-            </a:xfrm>
-            <a:prstGeom prst="rect">
-              <a:avLst/>
-            </a:prstGeom>
-            <a:ln>
-              <a:solidFill>
-                <a:schemeClr val="tx1"/>
-              </a:solidFill>
-            </a:ln>
-          </p:spPr>
-          <p:style>
-            <a:lnRef idx="2">
-              <a:schemeClr val="dk1"/>
-            </a:lnRef>
-            <a:fillRef idx="1">
-              <a:schemeClr val="lt1"/>
-            </a:fillRef>
-            <a:effectRef idx="0">
-              <a:schemeClr val="dk1"/>
-            </a:effectRef>
-            <a:fontRef idx="minor">
-              <a:schemeClr val="dk1"/>
-            </a:fontRef>
-          </p:style>
-          <p:txBody>
-            <a:bodyPr rtlCol="0" anchor="ctr"/>
-            <a:lstStyle/>
-            <a:p>
-              <a:pPr algn="ctr"/>
-              <a:r>
-                <a:rPr lang="da-DK" dirty="0">
-                  <a:solidFill>
-                    <a:schemeClr val="tx1"/>
-                  </a:solidFill>
-                </a:rPr>
-                <a:t>Cat</a:t>
-              </a:r>
-              <a:endParaRPr lang="en-US" dirty="0">
-                <a:solidFill>
-                  <a:schemeClr val="tx1"/>
-                </a:solidFill>
-              </a:endParaRPr>
-            </a:p>
-          </p:txBody>
-        </p:sp>
-        <p:sp>
-          <p:nvSpPr>
-            <p:cNvPr id="5" name="Rectangle 4">
-              <a:extLst>
-                <a:ext uri="{FF2B5EF4-FFF2-40B4-BE49-F238E27FC236}">
-                  <a16:creationId xmlns:a16="http://schemas.microsoft.com/office/drawing/2014/main" id="{E3A624C0-1F2C-2286-AA60-FC8D2F846B2F}"/>
-                </a:ext>
-              </a:extLst>
-            </p:cNvPr>
-            <p:cNvSpPr/>
-            <p:nvPr/>
-          </p:nvSpPr>
-          <p:spPr>
-            <a:xfrm>
-              <a:off x="4917859" y="2062687"/>
-              <a:ext cx="1243914" cy="436605"/>
-            </a:xfrm>
-            <a:prstGeom prst="rect">
-              <a:avLst/>
-            </a:prstGeom>
-            <a:ln>
-              <a:solidFill>
-                <a:schemeClr val="tx1"/>
-              </a:solidFill>
-            </a:ln>
-          </p:spPr>
-          <p:style>
-            <a:lnRef idx="2">
-              <a:schemeClr val="dk1"/>
-            </a:lnRef>
-            <a:fillRef idx="1">
-              <a:schemeClr val="lt1"/>
-            </a:fillRef>
-            <a:effectRef idx="0">
-              <a:schemeClr val="dk1"/>
-            </a:effectRef>
-            <a:fontRef idx="minor">
-              <a:schemeClr val="dk1"/>
-            </a:fontRef>
-          </p:style>
-          <p:txBody>
-            <a:bodyPr rtlCol="0" anchor="ctr"/>
-            <a:lstStyle/>
-            <a:p>
-              <a:pPr algn="ctr"/>
-              <a:r>
-                <a:rPr lang="da-DK" dirty="0">
-                  <a:solidFill>
-                    <a:schemeClr val="tx1"/>
-                  </a:solidFill>
-                </a:rPr>
-                <a:t>Tiger</a:t>
-              </a:r>
-              <a:endParaRPr lang="en-US" dirty="0">
-                <a:solidFill>
-                  <a:schemeClr val="tx1"/>
-                </a:solidFill>
-              </a:endParaRPr>
-            </a:p>
-          </p:txBody>
-        </p:sp>
-        <p:cxnSp>
-          <p:nvCxnSpPr>
-            <p:cNvPr id="7" name="Straight Connector 6">
-              <a:extLst>
-                <a:ext uri="{FF2B5EF4-FFF2-40B4-BE49-F238E27FC236}">
-                  <a16:creationId xmlns:a16="http://schemas.microsoft.com/office/drawing/2014/main" id="{B4CB8EB2-C1B3-0EDC-E25C-36AF97A613BB}"/>
-                </a:ext>
-              </a:extLst>
-            </p:cNvPr>
-            <p:cNvCxnSpPr>
-              <a:cxnSpLocks/>
-            </p:cNvCxnSpPr>
-            <p:nvPr/>
-          </p:nvCxnSpPr>
-          <p:spPr>
-            <a:xfrm>
-              <a:off x="5539816" y="1961059"/>
-              <a:ext cx="2739211" cy="0"/>
-            </a:xfrm>
-            <a:prstGeom prst="line">
-              <a:avLst/>
-            </a:prstGeom>
-          </p:spPr>
-          <p:style>
-            <a:lnRef idx="3">
-              <a:schemeClr val="dk1"/>
-            </a:lnRef>
-            <a:fillRef idx="0">
-              <a:schemeClr val="dk1"/>
-            </a:fillRef>
-            <a:effectRef idx="2">
-              <a:schemeClr val="dk1"/>
-            </a:effectRef>
-            <a:fontRef idx="minor">
-              <a:schemeClr val="tx1"/>
-            </a:fontRef>
-          </p:style>
-        </p:cxnSp>
-        <p:cxnSp>
-          <p:nvCxnSpPr>
-            <p:cNvPr id="9" name="Straight Connector 8">
-              <a:extLst>
-                <a:ext uri="{FF2B5EF4-FFF2-40B4-BE49-F238E27FC236}">
-                  <a16:creationId xmlns:a16="http://schemas.microsoft.com/office/drawing/2014/main" id="{771D7AF3-D42F-4390-67D6-742D74E63B6A}"/>
-                </a:ext>
-              </a:extLst>
-            </p:cNvPr>
-            <p:cNvCxnSpPr>
-              <a:stCxn id="5" idx="0"/>
-            </p:cNvCxnSpPr>
-            <p:nvPr/>
-          </p:nvCxnSpPr>
-          <p:spPr>
-            <a:xfrm flipV="1">
-              <a:off x="5539816" y="1961059"/>
-              <a:ext cx="0" cy="101628"/>
-            </a:xfrm>
-            <a:prstGeom prst="line">
-              <a:avLst/>
-            </a:prstGeom>
-          </p:spPr>
-          <p:style>
-            <a:lnRef idx="3">
-              <a:schemeClr val="dk1"/>
-            </a:lnRef>
-            <a:fillRef idx="0">
-              <a:schemeClr val="dk1"/>
-            </a:fillRef>
-            <a:effectRef idx="2">
-              <a:schemeClr val="dk1"/>
-            </a:effectRef>
-            <a:fontRef idx="minor">
-              <a:schemeClr val="tx1"/>
-            </a:fontRef>
-          </p:style>
-        </p:cxnSp>
-        <p:cxnSp>
-          <p:nvCxnSpPr>
-            <p:cNvPr id="10" name="Straight Connector 9">
-              <a:extLst>
-                <a:ext uri="{FF2B5EF4-FFF2-40B4-BE49-F238E27FC236}">
-                  <a16:creationId xmlns:a16="http://schemas.microsoft.com/office/drawing/2014/main" id="{C89D4204-4BD6-C0F3-C301-28D86FDBDCC1}"/>
-                </a:ext>
-              </a:extLst>
-            </p:cNvPr>
-            <p:cNvCxnSpPr>
-              <a:cxnSpLocks/>
-              <a:stCxn id="20" idx="0"/>
-            </p:cNvCxnSpPr>
-            <p:nvPr/>
-          </p:nvCxnSpPr>
-          <p:spPr>
-            <a:xfrm flipV="1">
-              <a:off x="8279027" y="1968066"/>
-              <a:ext cx="0" cy="80608"/>
-            </a:xfrm>
-            <a:prstGeom prst="line">
-              <a:avLst/>
-            </a:prstGeom>
-          </p:spPr>
-          <p:style>
-            <a:lnRef idx="3">
-              <a:schemeClr val="dk1"/>
-            </a:lnRef>
-            <a:fillRef idx="0">
-              <a:schemeClr val="dk1"/>
-            </a:fillRef>
-            <a:effectRef idx="2">
-              <a:schemeClr val="dk1"/>
-            </a:effectRef>
-            <a:fontRef idx="minor">
-              <a:schemeClr val="tx1"/>
-            </a:fontRef>
-          </p:style>
-        </p:cxnSp>
-      </p:grpSp>
-    </p:spTree>
-    <p:extLst>
-      <p:ext uri="{BB962C8B-B14F-4D97-AF65-F5344CB8AC3E}">
-        <p14:creationId xmlns:p14="http://schemas.microsoft.com/office/powerpoint/2010/main" val="79117186"/>
       </p:ext>
     </p:extLst>
   </p:cSld>
